--- a/rust-beginner/01 - Installation/01 - original.pptx
+++ b/rust-beginner/01 - Installation/01 - original.pptx
@@ -6908,6 +6908,63 @@
           </a:p>
         </p:txBody>
       </p:sp>
+      <p:sp>
+        <p:nvSpPr>
+          <p:cNvPr id="2" name="Date Placeholder 1">
+            <a:extLst>
+              <a:ext uri="{FF2B5EF4-FFF2-40B4-BE49-F238E27FC236}">
+                <a16:creationId xmlns:a16="http://schemas.microsoft.com/office/drawing/2014/main" id="{20F5B45F-E713-DC4C-6D53-E4E4757A6143}"/>
+              </a:ext>
+            </a:extLst>
+          </p:cNvPr>
+          <p:cNvSpPr>
+            <a:spLocks noGrp="1"/>
+          </p:cNvSpPr>
+          <p:nvPr>
+            <p:ph type="dt" sz="half" idx="13"/>
+          </p:nvPr>
+        </p:nvSpPr>
+        <p:spPr/>
+        <p:txBody>
+          <a:bodyPr/>
+          <a:lstStyle/>
+          <a:p>
+            <a:fld id="{79A556AF-710A-4210-8635-08927F88D1B6}" type="datetime1">
+              <a:rPr lang="de-DE" smtClean="0"/>
+              <a:t>20.04.2024</a:t>
+            </a:fld>
+            <a:endParaRPr lang="de-DE"/>
+          </a:p>
+        </p:txBody>
+      </p:sp>
+      <p:sp>
+        <p:nvSpPr>
+          <p:cNvPr id="3" name="Footer Placeholder 2">
+            <a:extLst>
+              <a:ext uri="{FF2B5EF4-FFF2-40B4-BE49-F238E27FC236}">
+                <a16:creationId xmlns:a16="http://schemas.microsoft.com/office/drawing/2014/main" id="{0C2B7395-5385-DDDB-34A1-35CFB1C85297}"/>
+              </a:ext>
+            </a:extLst>
+          </p:cNvPr>
+          <p:cNvSpPr>
+            <a:spLocks noGrp="1"/>
+          </p:cNvSpPr>
+          <p:nvPr>
+            <p:ph type="ftr" sz="quarter" idx="14"/>
+          </p:nvPr>
+        </p:nvSpPr>
+        <p:spPr/>
+        <p:txBody>
+          <a:bodyPr/>
+          <a:lstStyle/>
+          <a:p>
+            <a:r>
+              <a:rPr lang="de-DE"/>
+              <a:t>RUSTikales Rust for beginners</a:t>
+            </a:r>
+          </a:p>
+        </p:txBody>
+      </p:sp>
     </p:spTree>
   </p:cSld>
   <p:clrMapOvr>
@@ -7009,6 +7066,63 @@
               <a:t>‹#›</a:t>
             </a:fld>
             <a:endParaRPr/>
+          </a:p>
+        </p:txBody>
+      </p:sp>
+      <p:sp>
+        <p:nvSpPr>
+          <p:cNvPr id="2" name="Date Placeholder 1">
+            <a:extLst>
+              <a:ext uri="{FF2B5EF4-FFF2-40B4-BE49-F238E27FC236}">
+                <a16:creationId xmlns:a16="http://schemas.microsoft.com/office/drawing/2014/main" id="{4B27D283-D5DB-9D14-F64C-8034C50D19BF}"/>
+              </a:ext>
+            </a:extLst>
+          </p:cNvPr>
+          <p:cNvSpPr>
+            <a:spLocks noGrp="1"/>
+          </p:cNvSpPr>
+          <p:nvPr>
+            <p:ph type="dt" sz="half" idx="13"/>
+          </p:nvPr>
+        </p:nvSpPr>
+        <p:spPr/>
+        <p:txBody>
+          <a:bodyPr/>
+          <a:lstStyle/>
+          <a:p>
+            <a:fld id="{A6AF028D-1B42-4255-842D-98C64CC82825}" type="datetime1">
+              <a:rPr lang="de-DE" smtClean="0"/>
+              <a:t>20.04.2024</a:t>
+            </a:fld>
+            <a:endParaRPr lang="de-DE"/>
+          </a:p>
+        </p:txBody>
+      </p:sp>
+      <p:sp>
+        <p:nvSpPr>
+          <p:cNvPr id="3" name="Footer Placeholder 2">
+            <a:extLst>
+              <a:ext uri="{FF2B5EF4-FFF2-40B4-BE49-F238E27FC236}">
+                <a16:creationId xmlns:a16="http://schemas.microsoft.com/office/drawing/2014/main" id="{536127D3-54CF-BB80-2B53-CC1B28D57EAB}"/>
+              </a:ext>
+            </a:extLst>
+          </p:cNvPr>
+          <p:cNvSpPr>
+            <a:spLocks noGrp="1"/>
+          </p:cNvSpPr>
+          <p:nvPr>
+            <p:ph type="ftr" sz="quarter" idx="14"/>
+          </p:nvPr>
+        </p:nvSpPr>
+        <p:spPr/>
+        <p:txBody>
+          <a:bodyPr/>
+          <a:lstStyle/>
+          <a:p>
+            <a:r>
+              <a:rPr lang="de-DE"/>
+              <a:t>RUSTikales Rust for beginners</a:t>
+            </a:r>
           </a:p>
         </p:txBody>
       </p:sp>
@@ -7473,6 +7587,63 @@
           </a:p>
         </p:txBody>
       </p:sp>
+      <p:sp>
+        <p:nvSpPr>
+          <p:cNvPr id="2" name="Date Placeholder 1">
+            <a:extLst>
+              <a:ext uri="{FF2B5EF4-FFF2-40B4-BE49-F238E27FC236}">
+                <a16:creationId xmlns:a16="http://schemas.microsoft.com/office/drawing/2014/main" id="{ED5E1693-B9F1-2D4A-439C-E88592BDAADF}"/>
+              </a:ext>
+            </a:extLst>
+          </p:cNvPr>
+          <p:cNvSpPr>
+            <a:spLocks noGrp="1"/>
+          </p:cNvSpPr>
+          <p:nvPr>
+            <p:ph type="dt" sz="half" idx="13"/>
+          </p:nvPr>
+        </p:nvSpPr>
+        <p:spPr/>
+        <p:txBody>
+          <a:bodyPr/>
+          <a:lstStyle/>
+          <a:p>
+            <a:fld id="{F9128C93-5917-4399-A2D8-BCACF29293A2}" type="datetime1">
+              <a:rPr lang="de-DE" smtClean="0"/>
+              <a:t>20.04.2024</a:t>
+            </a:fld>
+            <a:endParaRPr lang="de-DE"/>
+          </a:p>
+        </p:txBody>
+      </p:sp>
+      <p:sp>
+        <p:nvSpPr>
+          <p:cNvPr id="3" name="Footer Placeholder 2">
+            <a:extLst>
+              <a:ext uri="{FF2B5EF4-FFF2-40B4-BE49-F238E27FC236}">
+                <a16:creationId xmlns:a16="http://schemas.microsoft.com/office/drawing/2014/main" id="{EE8CD6B5-DE85-C2E4-7DB0-C9C6F89EF0CD}"/>
+              </a:ext>
+            </a:extLst>
+          </p:cNvPr>
+          <p:cNvSpPr>
+            <a:spLocks noGrp="1"/>
+          </p:cNvSpPr>
+          <p:nvPr>
+            <p:ph type="ftr" sz="quarter" idx="14"/>
+          </p:nvPr>
+        </p:nvSpPr>
+        <p:spPr/>
+        <p:txBody>
+          <a:bodyPr/>
+          <a:lstStyle/>
+          <a:p>
+            <a:r>
+              <a:rPr lang="de-DE"/>
+              <a:t>RUSTikales Rust for beginners</a:t>
+            </a:r>
+          </a:p>
+        </p:txBody>
+      </p:sp>
     </p:spTree>
   </p:cSld>
   <p:clrMapOvr>
@@ -8063,6 +8234,63 @@
           </a:p>
         </p:txBody>
       </p:sp>
+      <p:sp>
+        <p:nvSpPr>
+          <p:cNvPr id="2" name="Date Placeholder 1">
+            <a:extLst>
+              <a:ext uri="{FF2B5EF4-FFF2-40B4-BE49-F238E27FC236}">
+                <a16:creationId xmlns:a16="http://schemas.microsoft.com/office/drawing/2014/main" id="{9A9224F1-49D9-4919-095C-30B14ABBF382}"/>
+              </a:ext>
+            </a:extLst>
+          </p:cNvPr>
+          <p:cNvSpPr>
+            <a:spLocks noGrp="1"/>
+          </p:cNvSpPr>
+          <p:nvPr>
+            <p:ph type="dt" sz="half" idx="13"/>
+          </p:nvPr>
+        </p:nvSpPr>
+        <p:spPr/>
+        <p:txBody>
+          <a:bodyPr/>
+          <a:lstStyle/>
+          <a:p>
+            <a:fld id="{80972B04-EA57-4998-9087-3D453DD43C92}" type="datetime1">
+              <a:rPr lang="de-DE" smtClean="0"/>
+              <a:t>20.04.2024</a:t>
+            </a:fld>
+            <a:endParaRPr lang="de-DE"/>
+          </a:p>
+        </p:txBody>
+      </p:sp>
+      <p:sp>
+        <p:nvSpPr>
+          <p:cNvPr id="3" name="Footer Placeholder 2">
+            <a:extLst>
+              <a:ext uri="{FF2B5EF4-FFF2-40B4-BE49-F238E27FC236}">
+                <a16:creationId xmlns:a16="http://schemas.microsoft.com/office/drawing/2014/main" id="{FD797048-7E31-C49B-772B-E806E8BB0D65}"/>
+              </a:ext>
+            </a:extLst>
+          </p:cNvPr>
+          <p:cNvSpPr>
+            <a:spLocks noGrp="1"/>
+          </p:cNvSpPr>
+          <p:nvPr>
+            <p:ph type="ftr" sz="quarter" idx="14"/>
+          </p:nvPr>
+        </p:nvSpPr>
+        <p:spPr/>
+        <p:txBody>
+          <a:bodyPr/>
+          <a:lstStyle/>
+          <a:p>
+            <a:r>
+              <a:rPr lang="de-DE"/>
+              <a:t>RUSTikales Rust for beginners</a:t>
+            </a:r>
+          </a:p>
+        </p:txBody>
+      </p:sp>
     </p:spTree>
   </p:cSld>
   <p:clrMapOvr>
@@ -8395,6 +8623,63 @@
           </a:p>
         </p:txBody>
       </p:sp>
+      <p:sp>
+        <p:nvSpPr>
+          <p:cNvPr id="2" name="Date Placeholder 1">
+            <a:extLst>
+              <a:ext uri="{FF2B5EF4-FFF2-40B4-BE49-F238E27FC236}">
+                <a16:creationId xmlns:a16="http://schemas.microsoft.com/office/drawing/2014/main" id="{D66B3E39-5132-1FB7-E2CB-E61FF980251C}"/>
+              </a:ext>
+            </a:extLst>
+          </p:cNvPr>
+          <p:cNvSpPr>
+            <a:spLocks noGrp="1"/>
+          </p:cNvSpPr>
+          <p:nvPr>
+            <p:ph type="dt" sz="half" idx="13"/>
+          </p:nvPr>
+        </p:nvSpPr>
+        <p:spPr/>
+        <p:txBody>
+          <a:bodyPr/>
+          <a:lstStyle/>
+          <a:p>
+            <a:fld id="{A824BFED-7331-481B-8D3C-6CA7FC326CE1}" type="datetime1">
+              <a:rPr lang="de-DE" smtClean="0"/>
+              <a:t>20.04.2024</a:t>
+            </a:fld>
+            <a:endParaRPr lang="de-DE"/>
+          </a:p>
+        </p:txBody>
+      </p:sp>
+      <p:sp>
+        <p:nvSpPr>
+          <p:cNvPr id="3" name="Footer Placeholder 2">
+            <a:extLst>
+              <a:ext uri="{FF2B5EF4-FFF2-40B4-BE49-F238E27FC236}">
+                <a16:creationId xmlns:a16="http://schemas.microsoft.com/office/drawing/2014/main" id="{CC108667-380B-CDB7-1B13-FC5B540C4587}"/>
+              </a:ext>
+            </a:extLst>
+          </p:cNvPr>
+          <p:cNvSpPr>
+            <a:spLocks noGrp="1"/>
+          </p:cNvSpPr>
+          <p:nvPr>
+            <p:ph type="ftr" sz="quarter" idx="14"/>
+          </p:nvPr>
+        </p:nvSpPr>
+        <p:spPr/>
+        <p:txBody>
+          <a:bodyPr/>
+          <a:lstStyle/>
+          <a:p>
+            <a:r>
+              <a:rPr lang="de-DE"/>
+              <a:t>RUSTikales Rust for beginners</a:t>
+            </a:r>
+          </a:p>
+        </p:txBody>
+      </p:sp>
     </p:spTree>
   </p:cSld>
   <p:clrMapOvr>
@@ -8853,6 +9138,63 @@
               <a:t>‹#›</a:t>
             </a:fld>
             <a:endParaRPr/>
+          </a:p>
+        </p:txBody>
+      </p:sp>
+      <p:sp>
+        <p:nvSpPr>
+          <p:cNvPr id="2" name="Date Placeholder 1">
+            <a:extLst>
+              <a:ext uri="{FF2B5EF4-FFF2-40B4-BE49-F238E27FC236}">
+                <a16:creationId xmlns:a16="http://schemas.microsoft.com/office/drawing/2014/main" id="{89376E2E-65B8-F1DB-92BB-EEB8088F5145}"/>
+              </a:ext>
+            </a:extLst>
+          </p:cNvPr>
+          <p:cNvSpPr>
+            <a:spLocks noGrp="1"/>
+          </p:cNvSpPr>
+          <p:nvPr>
+            <p:ph type="dt" sz="half" idx="13"/>
+          </p:nvPr>
+        </p:nvSpPr>
+        <p:spPr/>
+        <p:txBody>
+          <a:bodyPr/>
+          <a:lstStyle/>
+          <a:p>
+            <a:fld id="{96F390F1-63FF-41EC-82B3-D3B6DD118932}" type="datetime1">
+              <a:rPr lang="de-DE" smtClean="0"/>
+              <a:t>20.04.2024</a:t>
+            </a:fld>
+            <a:endParaRPr lang="de-DE"/>
+          </a:p>
+        </p:txBody>
+      </p:sp>
+      <p:sp>
+        <p:nvSpPr>
+          <p:cNvPr id="3" name="Footer Placeholder 2">
+            <a:extLst>
+              <a:ext uri="{FF2B5EF4-FFF2-40B4-BE49-F238E27FC236}">
+                <a16:creationId xmlns:a16="http://schemas.microsoft.com/office/drawing/2014/main" id="{9091D9BD-2A03-F296-C959-E106D2D3BE3F}"/>
+              </a:ext>
+            </a:extLst>
+          </p:cNvPr>
+          <p:cNvSpPr>
+            <a:spLocks noGrp="1"/>
+          </p:cNvSpPr>
+          <p:nvPr>
+            <p:ph type="ftr" sz="quarter" idx="14"/>
+          </p:nvPr>
+        </p:nvSpPr>
+        <p:spPr/>
+        <p:txBody>
+          <a:bodyPr/>
+          <a:lstStyle/>
+          <a:p>
+            <a:r>
+              <a:rPr lang="de-DE"/>
+              <a:t>RUSTikales Rust for beginners</a:t>
+            </a:r>
           </a:p>
         </p:txBody>
       </p:sp>
@@ -9892,6 +10234,63 @@
           </a:p>
         </p:txBody>
       </p:sp>
+      <p:sp>
+        <p:nvSpPr>
+          <p:cNvPr id="2" name="Date Placeholder 1">
+            <a:extLst>
+              <a:ext uri="{FF2B5EF4-FFF2-40B4-BE49-F238E27FC236}">
+                <a16:creationId xmlns:a16="http://schemas.microsoft.com/office/drawing/2014/main" id="{0D6C12F9-9F6D-0E1D-80A9-9F90E5223555}"/>
+              </a:ext>
+            </a:extLst>
+          </p:cNvPr>
+          <p:cNvSpPr>
+            <a:spLocks noGrp="1"/>
+          </p:cNvSpPr>
+          <p:nvPr>
+            <p:ph type="dt" sz="half" idx="13"/>
+          </p:nvPr>
+        </p:nvSpPr>
+        <p:spPr/>
+        <p:txBody>
+          <a:bodyPr/>
+          <a:lstStyle/>
+          <a:p>
+            <a:fld id="{5677C089-18D3-49BA-9AA0-2B1107DC5AA5}" type="datetime1">
+              <a:rPr lang="de-DE" smtClean="0"/>
+              <a:t>20.04.2024</a:t>
+            </a:fld>
+            <a:endParaRPr lang="de-DE"/>
+          </a:p>
+        </p:txBody>
+      </p:sp>
+      <p:sp>
+        <p:nvSpPr>
+          <p:cNvPr id="3" name="Footer Placeholder 2">
+            <a:extLst>
+              <a:ext uri="{FF2B5EF4-FFF2-40B4-BE49-F238E27FC236}">
+                <a16:creationId xmlns:a16="http://schemas.microsoft.com/office/drawing/2014/main" id="{D5101052-AE2D-22E4-15E3-D375B71D85A5}"/>
+              </a:ext>
+            </a:extLst>
+          </p:cNvPr>
+          <p:cNvSpPr>
+            <a:spLocks noGrp="1"/>
+          </p:cNvSpPr>
+          <p:nvPr>
+            <p:ph type="ftr" sz="quarter" idx="14"/>
+          </p:nvPr>
+        </p:nvSpPr>
+        <p:spPr/>
+        <p:txBody>
+          <a:bodyPr/>
+          <a:lstStyle/>
+          <a:p>
+            <a:r>
+              <a:rPr lang="de-DE"/>
+              <a:t>RUSTikales Rust for beginners</a:t>
+            </a:r>
+          </a:p>
+        </p:txBody>
+      </p:sp>
     </p:spTree>
   </p:cSld>
   <p:clrMapOvr>
@@ -10506,6 +10905,63 @@
               <a:t>‹#›</a:t>
             </a:fld>
             <a:endParaRPr/>
+          </a:p>
+        </p:txBody>
+      </p:sp>
+      <p:sp>
+        <p:nvSpPr>
+          <p:cNvPr id="2" name="Date Placeholder 1">
+            <a:extLst>
+              <a:ext uri="{FF2B5EF4-FFF2-40B4-BE49-F238E27FC236}">
+                <a16:creationId xmlns:a16="http://schemas.microsoft.com/office/drawing/2014/main" id="{2E77A1B3-3F48-7039-8B77-5119D36DEA5B}"/>
+              </a:ext>
+            </a:extLst>
+          </p:cNvPr>
+          <p:cNvSpPr>
+            <a:spLocks noGrp="1"/>
+          </p:cNvSpPr>
+          <p:nvPr>
+            <p:ph type="dt" sz="half" idx="13"/>
+          </p:nvPr>
+        </p:nvSpPr>
+        <p:spPr/>
+        <p:txBody>
+          <a:bodyPr/>
+          <a:lstStyle/>
+          <a:p>
+            <a:fld id="{D7838EC3-89DB-419B-94DB-F9D4FF3108F6}" type="datetime1">
+              <a:rPr lang="de-DE" smtClean="0"/>
+              <a:t>20.04.2024</a:t>
+            </a:fld>
+            <a:endParaRPr lang="de-DE"/>
+          </a:p>
+        </p:txBody>
+      </p:sp>
+      <p:sp>
+        <p:nvSpPr>
+          <p:cNvPr id="3" name="Footer Placeholder 2">
+            <a:extLst>
+              <a:ext uri="{FF2B5EF4-FFF2-40B4-BE49-F238E27FC236}">
+                <a16:creationId xmlns:a16="http://schemas.microsoft.com/office/drawing/2014/main" id="{57328E8F-256E-59F6-707A-4030A5502512}"/>
+              </a:ext>
+            </a:extLst>
+          </p:cNvPr>
+          <p:cNvSpPr>
+            <a:spLocks noGrp="1"/>
+          </p:cNvSpPr>
+          <p:nvPr>
+            <p:ph type="ftr" sz="quarter" idx="14"/>
+          </p:nvPr>
+        </p:nvSpPr>
+        <p:spPr/>
+        <p:txBody>
+          <a:bodyPr/>
+          <a:lstStyle/>
+          <a:p>
+            <a:r>
+              <a:rPr lang="de-DE"/>
+              <a:t>RUSTikales Rust for beginners</a:t>
+            </a:r>
           </a:p>
         </p:txBody>
       </p:sp>
@@ -10757,6 +11213,63 @@
               <a:t>‹#›</a:t>
             </a:fld>
             <a:endParaRPr/>
+          </a:p>
+        </p:txBody>
+      </p:sp>
+      <p:sp>
+        <p:nvSpPr>
+          <p:cNvPr id="2" name="Date Placeholder 1">
+            <a:extLst>
+              <a:ext uri="{FF2B5EF4-FFF2-40B4-BE49-F238E27FC236}">
+                <a16:creationId xmlns:a16="http://schemas.microsoft.com/office/drawing/2014/main" id="{1ED2F4A5-4F0A-8BA4-F906-4F8BF8B53EA8}"/>
+              </a:ext>
+            </a:extLst>
+          </p:cNvPr>
+          <p:cNvSpPr>
+            <a:spLocks noGrp="1"/>
+          </p:cNvSpPr>
+          <p:nvPr>
+            <p:ph type="dt" sz="half" idx="13"/>
+          </p:nvPr>
+        </p:nvSpPr>
+        <p:spPr/>
+        <p:txBody>
+          <a:bodyPr/>
+          <a:lstStyle/>
+          <a:p>
+            <a:fld id="{4A813D11-1C51-4108-B1A0-F65E2D280C4B}" type="datetime1">
+              <a:rPr lang="de-DE" smtClean="0"/>
+              <a:t>20.04.2024</a:t>
+            </a:fld>
+            <a:endParaRPr lang="de-DE"/>
+          </a:p>
+        </p:txBody>
+      </p:sp>
+      <p:sp>
+        <p:nvSpPr>
+          <p:cNvPr id="3" name="Footer Placeholder 2">
+            <a:extLst>
+              <a:ext uri="{FF2B5EF4-FFF2-40B4-BE49-F238E27FC236}">
+                <a16:creationId xmlns:a16="http://schemas.microsoft.com/office/drawing/2014/main" id="{FA8A8CD4-8378-A5E2-EA46-D5DE039FA1D6}"/>
+              </a:ext>
+            </a:extLst>
+          </p:cNvPr>
+          <p:cNvSpPr>
+            <a:spLocks noGrp="1"/>
+          </p:cNvSpPr>
+          <p:nvPr>
+            <p:ph type="ftr" sz="quarter" idx="14"/>
+          </p:nvPr>
+        </p:nvSpPr>
+        <p:spPr/>
+        <p:txBody>
+          <a:bodyPr/>
+          <a:lstStyle/>
+          <a:p>
+            <a:r>
+              <a:rPr lang="de-DE"/>
+              <a:t>RUSTikales Rust for beginners</a:t>
+            </a:r>
           </a:p>
         </p:txBody>
       </p:sp>
@@ -11927,6 +12440,63 @@
           </a:p>
         </p:txBody>
       </p:sp>
+      <p:sp>
+        <p:nvSpPr>
+          <p:cNvPr id="2" name="Date Placeholder 1">
+            <a:extLst>
+              <a:ext uri="{FF2B5EF4-FFF2-40B4-BE49-F238E27FC236}">
+                <a16:creationId xmlns:a16="http://schemas.microsoft.com/office/drawing/2014/main" id="{2B31E020-10BB-9D52-380C-C8DFBCFE6547}"/>
+              </a:ext>
+            </a:extLst>
+          </p:cNvPr>
+          <p:cNvSpPr>
+            <a:spLocks noGrp="1"/>
+          </p:cNvSpPr>
+          <p:nvPr>
+            <p:ph type="dt" sz="half" idx="13"/>
+          </p:nvPr>
+        </p:nvSpPr>
+        <p:spPr/>
+        <p:txBody>
+          <a:bodyPr/>
+          <a:lstStyle/>
+          <a:p>
+            <a:fld id="{D5BEDD15-0B5F-41CC-8D27-F36D68A46FD2}" type="datetime1">
+              <a:rPr lang="de-DE" smtClean="0"/>
+              <a:t>20.04.2024</a:t>
+            </a:fld>
+            <a:endParaRPr lang="de-DE"/>
+          </a:p>
+        </p:txBody>
+      </p:sp>
+      <p:sp>
+        <p:nvSpPr>
+          <p:cNvPr id="3" name="Footer Placeholder 2">
+            <a:extLst>
+              <a:ext uri="{FF2B5EF4-FFF2-40B4-BE49-F238E27FC236}">
+                <a16:creationId xmlns:a16="http://schemas.microsoft.com/office/drawing/2014/main" id="{7648AC26-A9F3-0C9E-A70C-B3CD1558403E}"/>
+              </a:ext>
+            </a:extLst>
+          </p:cNvPr>
+          <p:cNvSpPr>
+            <a:spLocks noGrp="1"/>
+          </p:cNvSpPr>
+          <p:nvPr>
+            <p:ph type="ftr" sz="quarter" idx="14"/>
+          </p:nvPr>
+        </p:nvSpPr>
+        <p:spPr/>
+        <p:txBody>
+          <a:bodyPr/>
+          <a:lstStyle/>
+          <a:p>
+            <a:r>
+              <a:rPr lang="de-DE"/>
+              <a:t>RUSTikales Rust for beginners</a:t>
+            </a:r>
+          </a:p>
+        </p:txBody>
+      </p:sp>
     </p:spTree>
   </p:cSld>
   <p:clrMapOvr>
@@ -12624,6 +13194,99 @@
           </a:p>
         </p:txBody>
       </p:sp>
+      <p:sp>
+        <p:nvSpPr>
+          <p:cNvPr id="3" name="Footer Placeholder 2">
+            <a:extLst>
+              <a:ext uri="{FF2B5EF4-FFF2-40B4-BE49-F238E27FC236}">
+                <a16:creationId xmlns:a16="http://schemas.microsoft.com/office/drawing/2014/main" id="{9F2A4759-1007-C74C-0C9A-49FDC752A34B}"/>
+              </a:ext>
+            </a:extLst>
+          </p:cNvPr>
+          <p:cNvSpPr>
+            <a:spLocks noGrp="1"/>
+          </p:cNvSpPr>
+          <p:nvPr>
+            <p:ph type="ftr" sz="quarter" idx="3"/>
+          </p:nvPr>
+        </p:nvSpPr>
+        <p:spPr>
+          <a:xfrm>
+            <a:off x="3028950" y="4767263"/>
+            <a:ext cx="3086100" cy="274637"/>
+          </a:xfrm>
+          <a:prstGeom prst="rect">
+            <a:avLst/>
+          </a:prstGeom>
+        </p:spPr>
+        <p:txBody>
+          <a:bodyPr vert="horz" lIns="91440" tIns="45720" rIns="91440" bIns="45720" rtlCol="0" anchor="ctr"/>
+          <a:lstStyle>
+            <a:lvl1pPr algn="ctr">
+              <a:defRPr sz="1200">
+                <a:solidFill>
+                  <a:schemeClr val="tx1">
+                    <a:tint val="75000"/>
+                  </a:schemeClr>
+                </a:solidFill>
+              </a:defRPr>
+            </a:lvl1pPr>
+          </a:lstStyle>
+          <a:p>
+            <a:r>
+              <a:rPr lang="de-DE"/>
+              <a:t>RUSTikales Rust for beginners</a:t>
+            </a:r>
+          </a:p>
+        </p:txBody>
+      </p:sp>
+      <p:sp>
+        <p:nvSpPr>
+          <p:cNvPr id="4" name="Date Placeholder 3">
+            <a:extLst>
+              <a:ext uri="{FF2B5EF4-FFF2-40B4-BE49-F238E27FC236}">
+                <a16:creationId xmlns:a16="http://schemas.microsoft.com/office/drawing/2014/main" id="{AEF31ACA-839E-14C7-D170-3E5B22E63E54}"/>
+              </a:ext>
+            </a:extLst>
+          </p:cNvPr>
+          <p:cNvSpPr>
+            <a:spLocks noGrp="1"/>
+          </p:cNvSpPr>
+          <p:nvPr>
+            <p:ph type="dt" sz="half" idx="2"/>
+          </p:nvPr>
+        </p:nvSpPr>
+        <p:spPr>
+          <a:xfrm>
+            <a:off x="628650" y="4767263"/>
+            <a:ext cx="2057400" cy="274637"/>
+          </a:xfrm>
+          <a:prstGeom prst="rect">
+            <a:avLst/>
+          </a:prstGeom>
+        </p:spPr>
+        <p:txBody>
+          <a:bodyPr vert="horz" lIns="91440" tIns="45720" rIns="91440" bIns="45720" rtlCol="0" anchor="ctr"/>
+          <a:lstStyle>
+            <a:lvl1pPr algn="l">
+              <a:defRPr sz="1200">
+                <a:solidFill>
+                  <a:schemeClr val="tx1">
+                    <a:tint val="75000"/>
+                  </a:schemeClr>
+                </a:solidFill>
+              </a:defRPr>
+            </a:lvl1pPr>
+          </a:lstStyle>
+          <a:p>
+            <a:fld id="{60317ACD-287B-42E7-9D0F-4267AF7A18F5}" type="datetime1">
+              <a:rPr lang="de-DE" smtClean="0"/>
+              <a:t>20.04.2024</a:t>
+            </a:fld>
+            <a:endParaRPr lang="de-DE"/>
+          </a:p>
+        </p:txBody>
+      </p:sp>
     </p:spTree>
   </p:cSld>
   <p:clrMap bg1="lt1" tx1="dk1" bg2="dk2" tx2="lt2" accent1="accent1" accent2="accent2" accent3="accent3" accent4="accent4" accent5="accent5" accent6="accent6" hlink="hlink" folHlink="folHlink"/>
@@ -12639,7 +13302,7 @@
     <p:sldLayoutId id="2147483657" r:id="rId9"/>
     <p:sldLayoutId id="2147483658" r:id="rId10"/>
   </p:sldLayoutIdLst>
-  <p:hf sldNum="0" hdr="0" ftr="0" dt="0"/>
+  <p:hf sldNum="0" hdr="0"/>
   <p:txStyles>
     <p:titleStyle>
       <a:defPPr marR="0" lvl="0" algn="l" rtl="0">
@@ -13599,6 +14262,63 @@
           </a:p>
         </p:txBody>
       </p:sp>
+      <p:sp>
+        <p:nvSpPr>
+          <p:cNvPr id="2" name="Date Placeholder 1">
+            <a:extLst>
+              <a:ext uri="{FF2B5EF4-FFF2-40B4-BE49-F238E27FC236}">
+                <a16:creationId xmlns:a16="http://schemas.microsoft.com/office/drawing/2014/main" id="{2D4F4BD8-0441-6554-8603-57DC79014D7D}"/>
+              </a:ext>
+            </a:extLst>
+          </p:cNvPr>
+          <p:cNvSpPr>
+            <a:spLocks noGrp="1"/>
+          </p:cNvSpPr>
+          <p:nvPr>
+            <p:ph type="dt" sz="half" idx="13"/>
+          </p:nvPr>
+        </p:nvSpPr>
+        <p:spPr/>
+        <p:txBody>
+          <a:bodyPr/>
+          <a:lstStyle/>
+          <a:p>
+            <a:fld id="{2B3A5D96-6B87-47BB-B0F3-2311AEC25A16}" type="datetime1">
+              <a:rPr lang="de-DE" smtClean="0"/>
+              <a:t>20.04.2024</a:t>
+            </a:fld>
+            <a:endParaRPr lang="de-DE"/>
+          </a:p>
+        </p:txBody>
+      </p:sp>
+      <p:sp>
+        <p:nvSpPr>
+          <p:cNvPr id="3" name="Footer Placeholder 2">
+            <a:extLst>
+              <a:ext uri="{FF2B5EF4-FFF2-40B4-BE49-F238E27FC236}">
+                <a16:creationId xmlns:a16="http://schemas.microsoft.com/office/drawing/2014/main" id="{5A137755-B215-CAEF-D8F7-BB87C0C3845E}"/>
+              </a:ext>
+            </a:extLst>
+          </p:cNvPr>
+          <p:cNvSpPr>
+            <a:spLocks noGrp="1"/>
+          </p:cNvSpPr>
+          <p:nvPr>
+            <p:ph type="ftr" sz="quarter" idx="14"/>
+          </p:nvPr>
+        </p:nvSpPr>
+        <p:spPr/>
+        <p:txBody>
+          <a:bodyPr/>
+          <a:lstStyle/>
+          <a:p>
+            <a:r>
+              <a:rPr lang="de-DE"/>
+              <a:t>RUSTikales Rust for beginners</a:t>
+            </a:r>
+          </a:p>
+        </p:txBody>
+      </p:sp>
     </p:spTree>
     <p:extLst>
       <p:ext uri="{BB962C8B-B14F-4D97-AF65-F5344CB8AC3E}">
@@ -13730,6 +14450,63 @@
           </a:p>
         </p:txBody>
       </p:sp>
+      <p:sp>
+        <p:nvSpPr>
+          <p:cNvPr id="2" name="Date Placeholder 1">
+            <a:extLst>
+              <a:ext uri="{FF2B5EF4-FFF2-40B4-BE49-F238E27FC236}">
+                <a16:creationId xmlns:a16="http://schemas.microsoft.com/office/drawing/2014/main" id="{7E1779E6-FD20-B478-79E8-440BCCFD4540}"/>
+              </a:ext>
+            </a:extLst>
+          </p:cNvPr>
+          <p:cNvSpPr>
+            <a:spLocks noGrp="1"/>
+          </p:cNvSpPr>
+          <p:nvPr>
+            <p:ph type="dt" sz="half" idx="13"/>
+          </p:nvPr>
+        </p:nvSpPr>
+        <p:spPr/>
+        <p:txBody>
+          <a:bodyPr/>
+          <a:lstStyle/>
+          <a:p>
+            <a:fld id="{AB3E014C-0212-4691-A0C5-EFCB4BBB306C}" type="datetime1">
+              <a:rPr lang="de-DE" smtClean="0"/>
+              <a:t>20.04.2024</a:t>
+            </a:fld>
+            <a:endParaRPr lang="de-DE"/>
+          </a:p>
+        </p:txBody>
+      </p:sp>
+      <p:sp>
+        <p:nvSpPr>
+          <p:cNvPr id="3" name="Footer Placeholder 2">
+            <a:extLst>
+              <a:ext uri="{FF2B5EF4-FFF2-40B4-BE49-F238E27FC236}">
+                <a16:creationId xmlns:a16="http://schemas.microsoft.com/office/drawing/2014/main" id="{D49A51BB-D059-6660-4CB9-328E58688454}"/>
+              </a:ext>
+            </a:extLst>
+          </p:cNvPr>
+          <p:cNvSpPr>
+            <a:spLocks noGrp="1"/>
+          </p:cNvSpPr>
+          <p:nvPr>
+            <p:ph type="ftr" sz="quarter" idx="14"/>
+          </p:nvPr>
+        </p:nvSpPr>
+        <p:spPr/>
+        <p:txBody>
+          <a:bodyPr/>
+          <a:lstStyle/>
+          <a:p>
+            <a:r>
+              <a:rPr lang="de-DE"/>
+              <a:t>RUSTikales Rust for beginners</a:t>
+            </a:r>
+          </a:p>
+        </p:txBody>
+      </p:sp>
     </p:spTree>
     <p:extLst>
       <p:ext uri="{BB962C8B-B14F-4D97-AF65-F5344CB8AC3E}">
@@ -13879,6 +14656,63 @@
           </a:p>
         </p:txBody>
       </p:sp>
+      <p:sp>
+        <p:nvSpPr>
+          <p:cNvPr id="2" name="Date Placeholder 1">
+            <a:extLst>
+              <a:ext uri="{FF2B5EF4-FFF2-40B4-BE49-F238E27FC236}">
+                <a16:creationId xmlns:a16="http://schemas.microsoft.com/office/drawing/2014/main" id="{84384390-F341-0BFA-0D89-AF629CDAEA15}"/>
+              </a:ext>
+            </a:extLst>
+          </p:cNvPr>
+          <p:cNvSpPr>
+            <a:spLocks noGrp="1"/>
+          </p:cNvSpPr>
+          <p:nvPr>
+            <p:ph type="dt" sz="half" idx="13"/>
+          </p:nvPr>
+        </p:nvSpPr>
+        <p:spPr/>
+        <p:txBody>
+          <a:bodyPr/>
+          <a:lstStyle/>
+          <a:p>
+            <a:fld id="{12CB6104-E160-4C32-8E01-80A97202C844}" type="datetime1">
+              <a:rPr lang="de-DE" smtClean="0"/>
+              <a:t>20.04.2024</a:t>
+            </a:fld>
+            <a:endParaRPr lang="de-DE"/>
+          </a:p>
+        </p:txBody>
+      </p:sp>
+      <p:sp>
+        <p:nvSpPr>
+          <p:cNvPr id="3" name="Footer Placeholder 2">
+            <a:extLst>
+              <a:ext uri="{FF2B5EF4-FFF2-40B4-BE49-F238E27FC236}">
+                <a16:creationId xmlns:a16="http://schemas.microsoft.com/office/drawing/2014/main" id="{6E593F03-D852-BA53-F0B5-3E9E0AD173C9}"/>
+              </a:ext>
+            </a:extLst>
+          </p:cNvPr>
+          <p:cNvSpPr>
+            <a:spLocks noGrp="1"/>
+          </p:cNvSpPr>
+          <p:nvPr>
+            <p:ph type="ftr" sz="quarter" idx="14"/>
+          </p:nvPr>
+        </p:nvSpPr>
+        <p:spPr/>
+        <p:txBody>
+          <a:bodyPr/>
+          <a:lstStyle/>
+          <a:p>
+            <a:r>
+              <a:rPr lang="de-DE"/>
+              <a:t>RUSTikales Rust for beginners</a:t>
+            </a:r>
+          </a:p>
+        </p:txBody>
+      </p:sp>
     </p:spTree>
     <p:extLst>
       <p:ext uri="{BB962C8B-B14F-4D97-AF65-F5344CB8AC3E}">
@@ -14081,6 +14915,63 @@
           </a:p>
         </p:txBody>
       </p:sp>
+      <p:sp>
+        <p:nvSpPr>
+          <p:cNvPr id="2" name="Date Placeholder 1">
+            <a:extLst>
+              <a:ext uri="{FF2B5EF4-FFF2-40B4-BE49-F238E27FC236}">
+                <a16:creationId xmlns:a16="http://schemas.microsoft.com/office/drawing/2014/main" id="{7CF51B24-29E8-528B-D430-255CCD39B7A2}"/>
+              </a:ext>
+            </a:extLst>
+          </p:cNvPr>
+          <p:cNvSpPr>
+            <a:spLocks noGrp="1"/>
+          </p:cNvSpPr>
+          <p:nvPr>
+            <p:ph type="dt" sz="half" idx="13"/>
+          </p:nvPr>
+        </p:nvSpPr>
+        <p:spPr/>
+        <p:txBody>
+          <a:bodyPr/>
+          <a:lstStyle/>
+          <a:p>
+            <a:fld id="{8168B32D-A6A2-4E75-8697-3CCB8E46EB2A}" type="datetime1">
+              <a:rPr lang="de-DE" smtClean="0"/>
+              <a:t>20.04.2024</a:t>
+            </a:fld>
+            <a:endParaRPr lang="de-DE"/>
+          </a:p>
+        </p:txBody>
+      </p:sp>
+      <p:sp>
+        <p:nvSpPr>
+          <p:cNvPr id="3" name="Footer Placeholder 2">
+            <a:extLst>
+              <a:ext uri="{FF2B5EF4-FFF2-40B4-BE49-F238E27FC236}">
+                <a16:creationId xmlns:a16="http://schemas.microsoft.com/office/drawing/2014/main" id="{915E248D-3496-A53A-FC0B-C065B8CD57B4}"/>
+              </a:ext>
+            </a:extLst>
+          </p:cNvPr>
+          <p:cNvSpPr>
+            <a:spLocks noGrp="1"/>
+          </p:cNvSpPr>
+          <p:nvPr>
+            <p:ph type="ftr" sz="quarter" idx="14"/>
+          </p:nvPr>
+        </p:nvSpPr>
+        <p:spPr/>
+        <p:txBody>
+          <a:bodyPr/>
+          <a:lstStyle/>
+          <a:p>
+            <a:r>
+              <a:rPr lang="de-DE"/>
+              <a:t>RUSTikales Rust for beginners</a:t>
+            </a:r>
+          </a:p>
+        </p:txBody>
+      </p:sp>
     </p:spTree>
     <p:extLst>
       <p:ext uri="{BB962C8B-B14F-4D97-AF65-F5344CB8AC3E}">
@@ -14267,6 +15158,63 @@
           </a:p>
         </p:txBody>
       </p:sp>
+      <p:sp>
+        <p:nvSpPr>
+          <p:cNvPr id="2" name="Date Placeholder 1">
+            <a:extLst>
+              <a:ext uri="{FF2B5EF4-FFF2-40B4-BE49-F238E27FC236}">
+                <a16:creationId xmlns:a16="http://schemas.microsoft.com/office/drawing/2014/main" id="{7DF1F60D-D2A4-6F12-269A-A5F91464E256}"/>
+              </a:ext>
+            </a:extLst>
+          </p:cNvPr>
+          <p:cNvSpPr>
+            <a:spLocks noGrp="1"/>
+          </p:cNvSpPr>
+          <p:nvPr>
+            <p:ph type="dt" sz="half" idx="13"/>
+          </p:nvPr>
+        </p:nvSpPr>
+        <p:spPr/>
+        <p:txBody>
+          <a:bodyPr/>
+          <a:lstStyle/>
+          <a:p>
+            <a:fld id="{FF9817C9-AF3A-4E97-84D0-C71FE1B67E10}" type="datetime1">
+              <a:rPr lang="de-DE" smtClean="0"/>
+              <a:t>20.04.2024</a:t>
+            </a:fld>
+            <a:endParaRPr lang="de-DE"/>
+          </a:p>
+        </p:txBody>
+      </p:sp>
+      <p:sp>
+        <p:nvSpPr>
+          <p:cNvPr id="3" name="Footer Placeholder 2">
+            <a:extLst>
+              <a:ext uri="{FF2B5EF4-FFF2-40B4-BE49-F238E27FC236}">
+                <a16:creationId xmlns:a16="http://schemas.microsoft.com/office/drawing/2014/main" id="{F323DF06-400E-7933-C1FA-DD19DE22C53B}"/>
+              </a:ext>
+            </a:extLst>
+          </p:cNvPr>
+          <p:cNvSpPr>
+            <a:spLocks noGrp="1"/>
+          </p:cNvSpPr>
+          <p:nvPr>
+            <p:ph type="ftr" sz="quarter" idx="14"/>
+          </p:nvPr>
+        </p:nvSpPr>
+        <p:spPr/>
+        <p:txBody>
+          <a:bodyPr/>
+          <a:lstStyle/>
+          <a:p>
+            <a:r>
+              <a:rPr lang="de-DE"/>
+              <a:t>RUSTikales Rust for beginners</a:t>
+            </a:r>
+          </a:p>
+        </p:txBody>
+      </p:sp>
     </p:spTree>
     <p:extLst>
       <p:ext uri="{BB962C8B-B14F-4D97-AF65-F5344CB8AC3E}">
@@ -14409,6 +15357,63 @@
           </a:p>
         </p:txBody>
       </p:sp>
+      <p:sp>
+        <p:nvSpPr>
+          <p:cNvPr id="2" name="Date Placeholder 1">
+            <a:extLst>
+              <a:ext uri="{FF2B5EF4-FFF2-40B4-BE49-F238E27FC236}">
+                <a16:creationId xmlns:a16="http://schemas.microsoft.com/office/drawing/2014/main" id="{1F372039-2443-3123-B2A5-6C3AF951FE8F}"/>
+              </a:ext>
+            </a:extLst>
+          </p:cNvPr>
+          <p:cNvSpPr>
+            <a:spLocks noGrp="1"/>
+          </p:cNvSpPr>
+          <p:nvPr>
+            <p:ph type="dt" sz="half" idx="13"/>
+          </p:nvPr>
+        </p:nvSpPr>
+        <p:spPr/>
+        <p:txBody>
+          <a:bodyPr/>
+          <a:lstStyle/>
+          <a:p>
+            <a:fld id="{1B7BF3C6-BF5E-4271-A2BB-930A2386C950}" type="datetime1">
+              <a:rPr lang="de-DE" smtClean="0"/>
+              <a:t>20.04.2024</a:t>
+            </a:fld>
+            <a:endParaRPr lang="de-DE"/>
+          </a:p>
+        </p:txBody>
+      </p:sp>
+      <p:sp>
+        <p:nvSpPr>
+          <p:cNvPr id="3" name="Footer Placeholder 2">
+            <a:extLst>
+              <a:ext uri="{FF2B5EF4-FFF2-40B4-BE49-F238E27FC236}">
+                <a16:creationId xmlns:a16="http://schemas.microsoft.com/office/drawing/2014/main" id="{E46BBA30-E2CF-1F9A-B2E2-609F12AD63A3}"/>
+              </a:ext>
+            </a:extLst>
+          </p:cNvPr>
+          <p:cNvSpPr>
+            <a:spLocks noGrp="1"/>
+          </p:cNvSpPr>
+          <p:nvPr>
+            <p:ph type="ftr" sz="quarter" idx="14"/>
+          </p:nvPr>
+        </p:nvSpPr>
+        <p:spPr/>
+        <p:txBody>
+          <a:bodyPr/>
+          <a:lstStyle/>
+          <a:p>
+            <a:r>
+              <a:rPr lang="de-DE"/>
+              <a:t>RUSTikales Rust for beginners</a:t>
+            </a:r>
+          </a:p>
+        </p:txBody>
+      </p:sp>
     </p:spTree>
     <p:extLst>
       <p:ext uri="{BB962C8B-B14F-4D97-AF65-F5344CB8AC3E}">
@@ -14607,6 +15612,63 @@
           </a:p>
         </p:txBody>
       </p:sp>
+      <p:sp>
+        <p:nvSpPr>
+          <p:cNvPr id="2" name="Date Placeholder 1">
+            <a:extLst>
+              <a:ext uri="{FF2B5EF4-FFF2-40B4-BE49-F238E27FC236}">
+                <a16:creationId xmlns:a16="http://schemas.microsoft.com/office/drawing/2014/main" id="{6A72BA64-09F5-DC77-8585-6722FE50F5E2}"/>
+              </a:ext>
+            </a:extLst>
+          </p:cNvPr>
+          <p:cNvSpPr>
+            <a:spLocks noGrp="1"/>
+          </p:cNvSpPr>
+          <p:nvPr>
+            <p:ph type="dt" sz="half" idx="13"/>
+          </p:nvPr>
+        </p:nvSpPr>
+        <p:spPr/>
+        <p:txBody>
+          <a:bodyPr/>
+          <a:lstStyle/>
+          <a:p>
+            <a:fld id="{E90B7B4E-D6DA-4A3B-AD18-84F09D1A9512}" type="datetime1">
+              <a:rPr lang="de-DE" smtClean="0"/>
+              <a:t>20.04.2024</a:t>
+            </a:fld>
+            <a:endParaRPr lang="de-DE"/>
+          </a:p>
+        </p:txBody>
+      </p:sp>
+      <p:sp>
+        <p:nvSpPr>
+          <p:cNvPr id="3" name="Footer Placeholder 2">
+            <a:extLst>
+              <a:ext uri="{FF2B5EF4-FFF2-40B4-BE49-F238E27FC236}">
+                <a16:creationId xmlns:a16="http://schemas.microsoft.com/office/drawing/2014/main" id="{BDECAC98-61F5-91A3-6F6A-85A9E02B7D75}"/>
+              </a:ext>
+            </a:extLst>
+          </p:cNvPr>
+          <p:cNvSpPr>
+            <a:spLocks noGrp="1"/>
+          </p:cNvSpPr>
+          <p:nvPr>
+            <p:ph type="ftr" sz="quarter" idx="14"/>
+          </p:nvPr>
+        </p:nvSpPr>
+        <p:spPr/>
+        <p:txBody>
+          <a:bodyPr/>
+          <a:lstStyle/>
+          <a:p>
+            <a:r>
+              <a:rPr lang="de-DE"/>
+              <a:t>RUSTikales Rust for beginners</a:t>
+            </a:r>
+          </a:p>
+        </p:txBody>
+      </p:sp>
     </p:spTree>
     <p:extLst>
       <p:ext uri="{BB962C8B-B14F-4D97-AF65-F5344CB8AC3E}">
@@ -14822,6 +15884,63 @@
           </a:p>
         </p:txBody>
       </p:sp>
+      <p:sp>
+        <p:nvSpPr>
+          <p:cNvPr id="2" name="Date Placeholder 1">
+            <a:extLst>
+              <a:ext uri="{FF2B5EF4-FFF2-40B4-BE49-F238E27FC236}">
+                <a16:creationId xmlns:a16="http://schemas.microsoft.com/office/drawing/2014/main" id="{C0EB7F32-F8DF-5D29-847C-103A4F6FA7F7}"/>
+              </a:ext>
+            </a:extLst>
+          </p:cNvPr>
+          <p:cNvSpPr>
+            <a:spLocks noGrp="1"/>
+          </p:cNvSpPr>
+          <p:nvPr>
+            <p:ph type="dt" sz="half" idx="13"/>
+          </p:nvPr>
+        </p:nvSpPr>
+        <p:spPr/>
+        <p:txBody>
+          <a:bodyPr/>
+          <a:lstStyle/>
+          <a:p>
+            <a:fld id="{0109BE5A-B7CE-43E4-89D8-7E274DABF2DA}" type="datetime1">
+              <a:rPr lang="de-DE" smtClean="0"/>
+              <a:t>20.04.2024</a:t>
+            </a:fld>
+            <a:endParaRPr lang="de-DE"/>
+          </a:p>
+        </p:txBody>
+      </p:sp>
+      <p:sp>
+        <p:nvSpPr>
+          <p:cNvPr id="3" name="Footer Placeholder 2">
+            <a:extLst>
+              <a:ext uri="{FF2B5EF4-FFF2-40B4-BE49-F238E27FC236}">
+                <a16:creationId xmlns:a16="http://schemas.microsoft.com/office/drawing/2014/main" id="{D0827C08-74F0-8C3E-6AC7-274086A12A48}"/>
+              </a:ext>
+            </a:extLst>
+          </p:cNvPr>
+          <p:cNvSpPr>
+            <a:spLocks noGrp="1"/>
+          </p:cNvSpPr>
+          <p:nvPr>
+            <p:ph type="ftr" sz="quarter" idx="14"/>
+          </p:nvPr>
+        </p:nvSpPr>
+        <p:spPr/>
+        <p:txBody>
+          <a:bodyPr/>
+          <a:lstStyle/>
+          <a:p>
+            <a:r>
+              <a:rPr lang="de-DE"/>
+              <a:t>RUSTikales Rust for beginners</a:t>
+            </a:r>
+          </a:p>
+        </p:txBody>
+      </p:sp>
     </p:spTree>
     <p:extLst>
       <p:ext uri="{BB962C8B-B14F-4D97-AF65-F5344CB8AC3E}">
@@ -15019,6 +16138,63 @@
           </a:p>
         </p:txBody>
       </p:sp>
+      <p:sp>
+        <p:nvSpPr>
+          <p:cNvPr id="2" name="Date Placeholder 1">
+            <a:extLst>
+              <a:ext uri="{FF2B5EF4-FFF2-40B4-BE49-F238E27FC236}">
+                <a16:creationId xmlns:a16="http://schemas.microsoft.com/office/drawing/2014/main" id="{7D3575AF-8649-A138-050E-59A6A4E33081}"/>
+              </a:ext>
+            </a:extLst>
+          </p:cNvPr>
+          <p:cNvSpPr>
+            <a:spLocks noGrp="1"/>
+          </p:cNvSpPr>
+          <p:nvPr>
+            <p:ph type="dt" sz="half" idx="13"/>
+          </p:nvPr>
+        </p:nvSpPr>
+        <p:spPr/>
+        <p:txBody>
+          <a:bodyPr/>
+          <a:lstStyle/>
+          <a:p>
+            <a:fld id="{DFFA95C7-416B-42E6-9DBE-6D6452BCE604}" type="datetime1">
+              <a:rPr lang="de-DE" smtClean="0"/>
+              <a:t>20.04.2024</a:t>
+            </a:fld>
+            <a:endParaRPr lang="de-DE"/>
+          </a:p>
+        </p:txBody>
+      </p:sp>
+      <p:sp>
+        <p:nvSpPr>
+          <p:cNvPr id="3" name="Footer Placeholder 2">
+            <a:extLst>
+              <a:ext uri="{FF2B5EF4-FFF2-40B4-BE49-F238E27FC236}">
+                <a16:creationId xmlns:a16="http://schemas.microsoft.com/office/drawing/2014/main" id="{4C909FDA-C1A4-5262-C00C-45E2C0F5B737}"/>
+              </a:ext>
+            </a:extLst>
+          </p:cNvPr>
+          <p:cNvSpPr>
+            <a:spLocks noGrp="1"/>
+          </p:cNvSpPr>
+          <p:nvPr>
+            <p:ph type="ftr" sz="quarter" idx="14"/>
+          </p:nvPr>
+        </p:nvSpPr>
+        <p:spPr/>
+        <p:txBody>
+          <a:bodyPr/>
+          <a:lstStyle/>
+          <a:p>
+            <a:r>
+              <a:rPr lang="de-DE"/>
+              <a:t>RUSTikales Rust for beginners</a:t>
+            </a:r>
+          </a:p>
+        </p:txBody>
+      </p:sp>
     </p:spTree>
     <p:extLst>
       <p:ext uri="{BB962C8B-B14F-4D97-AF65-F5344CB8AC3E}">
@@ -15251,6 +16427,63 @@
           </a:p>
         </p:txBody>
       </p:sp>
+      <p:sp>
+        <p:nvSpPr>
+          <p:cNvPr id="2" name="Date Placeholder 1">
+            <a:extLst>
+              <a:ext uri="{FF2B5EF4-FFF2-40B4-BE49-F238E27FC236}">
+                <a16:creationId xmlns:a16="http://schemas.microsoft.com/office/drawing/2014/main" id="{F1D3EFFC-860A-5D28-6995-09A4D4FFE319}"/>
+              </a:ext>
+            </a:extLst>
+          </p:cNvPr>
+          <p:cNvSpPr>
+            <a:spLocks noGrp="1"/>
+          </p:cNvSpPr>
+          <p:nvPr>
+            <p:ph type="dt" sz="half" idx="13"/>
+          </p:nvPr>
+        </p:nvSpPr>
+        <p:spPr/>
+        <p:txBody>
+          <a:bodyPr/>
+          <a:lstStyle/>
+          <a:p>
+            <a:fld id="{D13A82B1-9FB2-4721-8878-89BCAE1F5C57}" type="datetime1">
+              <a:rPr lang="de-DE" smtClean="0"/>
+              <a:t>20.04.2024</a:t>
+            </a:fld>
+            <a:endParaRPr lang="de-DE"/>
+          </a:p>
+        </p:txBody>
+      </p:sp>
+      <p:sp>
+        <p:nvSpPr>
+          <p:cNvPr id="3" name="Footer Placeholder 2">
+            <a:extLst>
+              <a:ext uri="{FF2B5EF4-FFF2-40B4-BE49-F238E27FC236}">
+                <a16:creationId xmlns:a16="http://schemas.microsoft.com/office/drawing/2014/main" id="{B989D2B0-0F9E-9E71-F103-51E0C615DAA4}"/>
+              </a:ext>
+            </a:extLst>
+          </p:cNvPr>
+          <p:cNvSpPr>
+            <a:spLocks noGrp="1"/>
+          </p:cNvSpPr>
+          <p:nvPr>
+            <p:ph type="ftr" sz="quarter" idx="14"/>
+          </p:nvPr>
+        </p:nvSpPr>
+        <p:spPr/>
+        <p:txBody>
+          <a:bodyPr/>
+          <a:lstStyle/>
+          <a:p>
+            <a:r>
+              <a:rPr lang="de-DE"/>
+              <a:t>RUSTikales Rust for beginners</a:t>
+            </a:r>
+          </a:p>
+        </p:txBody>
+      </p:sp>
     </p:spTree>
     <p:extLst>
       <p:ext uri="{BB962C8B-B14F-4D97-AF65-F5344CB8AC3E}">
@@ -15366,6 +16599,63 @@
           </a:p>
         </p:txBody>
       </p:sp>
+      <p:sp>
+        <p:nvSpPr>
+          <p:cNvPr id="2" name="Date Placeholder 1">
+            <a:extLst>
+              <a:ext uri="{FF2B5EF4-FFF2-40B4-BE49-F238E27FC236}">
+                <a16:creationId xmlns:a16="http://schemas.microsoft.com/office/drawing/2014/main" id="{1040D577-A796-8218-3800-43A10F6C25CE}"/>
+              </a:ext>
+            </a:extLst>
+          </p:cNvPr>
+          <p:cNvSpPr>
+            <a:spLocks noGrp="1"/>
+          </p:cNvSpPr>
+          <p:nvPr>
+            <p:ph type="dt" sz="half" idx="13"/>
+          </p:nvPr>
+        </p:nvSpPr>
+        <p:spPr/>
+        <p:txBody>
+          <a:bodyPr/>
+          <a:lstStyle/>
+          <a:p>
+            <a:fld id="{5DD3E756-4525-437B-ABB2-E05ED7298B70}" type="datetime1">
+              <a:rPr lang="de-DE" smtClean="0"/>
+              <a:t>20.04.2024</a:t>
+            </a:fld>
+            <a:endParaRPr lang="de-DE"/>
+          </a:p>
+        </p:txBody>
+      </p:sp>
+      <p:sp>
+        <p:nvSpPr>
+          <p:cNvPr id="3" name="Footer Placeholder 2">
+            <a:extLst>
+              <a:ext uri="{FF2B5EF4-FFF2-40B4-BE49-F238E27FC236}">
+                <a16:creationId xmlns:a16="http://schemas.microsoft.com/office/drawing/2014/main" id="{D86D2E76-4768-70EA-6BE3-C2AB97CF4C17}"/>
+              </a:ext>
+            </a:extLst>
+          </p:cNvPr>
+          <p:cNvSpPr>
+            <a:spLocks noGrp="1"/>
+          </p:cNvSpPr>
+          <p:nvPr>
+            <p:ph type="ftr" sz="quarter" idx="14"/>
+          </p:nvPr>
+        </p:nvSpPr>
+        <p:spPr/>
+        <p:txBody>
+          <a:bodyPr/>
+          <a:lstStyle/>
+          <a:p>
+            <a:r>
+              <a:rPr lang="de-DE"/>
+              <a:t>RUSTikales Rust for beginners</a:t>
+            </a:r>
+          </a:p>
+        </p:txBody>
+      </p:sp>
     </p:spTree>
   </p:cSld>
   <p:clrMapOvr>
@@ -15566,6 +16856,63 @@
                 <a:schemeClr val="bg1"/>
               </a:solidFill>
             </a:endParaRPr>
+          </a:p>
+        </p:txBody>
+      </p:sp>
+      <p:sp>
+        <p:nvSpPr>
+          <p:cNvPr id="2" name="Date Placeholder 1">
+            <a:extLst>
+              <a:ext uri="{FF2B5EF4-FFF2-40B4-BE49-F238E27FC236}">
+                <a16:creationId xmlns:a16="http://schemas.microsoft.com/office/drawing/2014/main" id="{E30B61D3-A6BB-0A75-8D04-AD6F4C7E7630}"/>
+              </a:ext>
+            </a:extLst>
+          </p:cNvPr>
+          <p:cNvSpPr>
+            <a:spLocks noGrp="1"/>
+          </p:cNvSpPr>
+          <p:nvPr>
+            <p:ph type="dt" sz="half" idx="13"/>
+          </p:nvPr>
+        </p:nvSpPr>
+        <p:spPr/>
+        <p:txBody>
+          <a:bodyPr/>
+          <a:lstStyle/>
+          <a:p>
+            <a:fld id="{70A9D16A-3F16-4156-B879-29F1FA5097CE}" type="datetime1">
+              <a:rPr lang="de-DE" smtClean="0"/>
+              <a:t>20.04.2024</a:t>
+            </a:fld>
+            <a:endParaRPr lang="de-DE"/>
+          </a:p>
+        </p:txBody>
+      </p:sp>
+      <p:sp>
+        <p:nvSpPr>
+          <p:cNvPr id="3" name="Footer Placeholder 2">
+            <a:extLst>
+              <a:ext uri="{FF2B5EF4-FFF2-40B4-BE49-F238E27FC236}">
+                <a16:creationId xmlns:a16="http://schemas.microsoft.com/office/drawing/2014/main" id="{C50D05DB-562A-CA12-12F5-19063DE15DC0}"/>
+              </a:ext>
+            </a:extLst>
+          </p:cNvPr>
+          <p:cNvSpPr>
+            <a:spLocks noGrp="1"/>
+          </p:cNvSpPr>
+          <p:nvPr>
+            <p:ph type="ftr" sz="quarter" idx="14"/>
+          </p:nvPr>
+        </p:nvSpPr>
+        <p:spPr/>
+        <p:txBody>
+          <a:bodyPr/>
+          <a:lstStyle/>
+          <a:p>
+            <a:r>
+              <a:rPr lang="de-DE"/>
+              <a:t>RUSTikales Rust for beginners</a:t>
+            </a:r>
           </a:p>
         </p:txBody>
       </p:sp>
@@ -15827,6 +17174,63 @@
           </a:p>
         </p:txBody>
       </p:sp>
+      <p:sp>
+        <p:nvSpPr>
+          <p:cNvPr id="2" name="Date Placeholder 1">
+            <a:extLst>
+              <a:ext uri="{FF2B5EF4-FFF2-40B4-BE49-F238E27FC236}">
+                <a16:creationId xmlns:a16="http://schemas.microsoft.com/office/drawing/2014/main" id="{2FCE791B-84AC-8994-4D8F-E678775FF20B}"/>
+              </a:ext>
+            </a:extLst>
+          </p:cNvPr>
+          <p:cNvSpPr>
+            <a:spLocks noGrp="1"/>
+          </p:cNvSpPr>
+          <p:nvPr>
+            <p:ph type="dt" sz="half" idx="13"/>
+          </p:nvPr>
+        </p:nvSpPr>
+        <p:spPr/>
+        <p:txBody>
+          <a:bodyPr/>
+          <a:lstStyle/>
+          <a:p>
+            <a:fld id="{C40C8B35-1ED3-4881-8D4D-A68C25EC5E91}" type="datetime1">
+              <a:rPr lang="de-DE" smtClean="0"/>
+              <a:t>20.04.2024</a:t>
+            </a:fld>
+            <a:endParaRPr lang="de-DE"/>
+          </a:p>
+        </p:txBody>
+      </p:sp>
+      <p:sp>
+        <p:nvSpPr>
+          <p:cNvPr id="3" name="Footer Placeholder 2">
+            <a:extLst>
+              <a:ext uri="{FF2B5EF4-FFF2-40B4-BE49-F238E27FC236}">
+                <a16:creationId xmlns:a16="http://schemas.microsoft.com/office/drawing/2014/main" id="{5070EE72-AD6A-ABAE-F0C5-F60E1C485D73}"/>
+              </a:ext>
+            </a:extLst>
+          </p:cNvPr>
+          <p:cNvSpPr>
+            <a:spLocks noGrp="1"/>
+          </p:cNvSpPr>
+          <p:nvPr>
+            <p:ph type="ftr" sz="quarter" idx="14"/>
+          </p:nvPr>
+        </p:nvSpPr>
+        <p:spPr/>
+        <p:txBody>
+          <a:bodyPr/>
+          <a:lstStyle/>
+          <a:p>
+            <a:r>
+              <a:rPr lang="de-DE"/>
+              <a:t>RUSTikales Rust for beginners</a:t>
+            </a:r>
+          </a:p>
+        </p:txBody>
+      </p:sp>
     </p:spTree>
     <p:extLst>
       <p:ext uri="{BB962C8B-B14F-4D97-AF65-F5344CB8AC3E}">
@@ -16073,6 +17477,63 @@
           </a:p>
         </p:txBody>
       </p:sp>
+      <p:sp>
+        <p:nvSpPr>
+          <p:cNvPr id="2" name="Date Placeholder 1">
+            <a:extLst>
+              <a:ext uri="{FF2B5EF4-FFF2-40B4-BE49-F238E27FC236}">
+                <a16:creationId xmlns:a16="http://schemas.microsoft.com/office/drawing/2014/main" id="{4008640C-31AA-24E4-0C35-02A23E4281A3}"/>
+              </a:ext>
+            </a:extLst>
+          </p:cNvPr>
+          <p:cNvSpPr>
+            <a:spLocks noGrp="1"/>
+          </p:cNvSpPr>
+          <p:nvPr>
+            <p:ph type="dt" sz="half" idx="13"/>
+          </p:nvPr>
+        </p:nvSpPr>
+        <p:spPr/>
+        <p:txBody>
+          <a:bodyPr/>
+          <a:lstStyle/>
+          <a:p>
+            <a:fld id="{DECC875C-A87D-4406-9EC5-15A2988203E0}" type="datetime1">
+              <a:rPr lang="de-DE" smtClean="0"/>
+              <a:t>20.04.2024</a:t>
+            </a:fld>
+            <a:endParaRPr lang="de-DE"/>
+          </a:p>
+        </p:txBody>
+      </p:sp>
+      <p:sp>
+        <p:nvSpPr>
+          <p:cNvPr id="3" name="Footer Placeholder 2">
+            <a:extLst>
+              <a:ext uri="{FF2B5EF4-FFF2-40B4-BE49-F238E27FC236}">
+                <a16:creationId xmlns:a16="http://schemas.microsoft.com/office/drawing/2014/main" id="{90CC62B6-F445-3C9A-8026-93A3FFBF1D63}"/>
+              </a:ext>
+            </a:extLst>
+          </p:cNvPr>
+          <p:cNvSpPr>
+            <a:spLocks noGrp="1"/>
+          </p:cNvSpPr>
+          <p:nvPr>
+            <p:ph type="ftr" sz="quarter" idx="14"/>
+          </p:nvPr>
+        </p:nvSpPr>
+        <p:spPr/>
+        <p:txBody>
+          <a:bodyPr/>
+          <a:lstStyle/>
+          <a:p>
+            <a:r>
+              <a:rPr lang="de-DE"/>
+              <a:t>RUSTikales Rust for beginners</a:t>
+            </a:r>
+          </a:p>
+        </p:txBody>
+      </p:sp>
     </p:spTree>
     <p:extLst>
       <p:ext uri="{BB962C8B-B14F-4D97-AF65-F5344CB8AC3E}">
@@ -16143,6 +17604,63 @@
               <a:t>Rust Installation</a:t>
             </a:r>
             <a:endParaRPr dirty="0"/>
+          </a:p>
+        </p:txBody>
+      </p:sp>
+      <p:sp>
+        <p:nvSpPr>
+          <p:cNvPr id="2" name="Date Placeholder 1">
+            <a:extLst>
+              <a:ext uri="{FF2B5EF4-FFF2-40B4-BE49-F238E27FC236}">
+                <a16:creationId xmlns:a16="http://schemas.microsoft.com/office/drawing/2014/main" id="{B9F767ED-A681-3718-E049-41EAFC715B9F}"/>
+              </a:ext>
+            </a:extLst>
+          </p:cNvPr>
+          <p:cNvSpPr>
+            <a:spLocks noGrp="1"/>
+          </p:cNvSpPr>
+          <p:nvPr>
+            <p:ph type="dt" sz="half" idx="13"/>
+          </p:nvPr>
+        </p:nvSpPr>
+        <p:spPr/>
+        <p:txBody>
+          <a:bodyPr/>
+          <a:lstStyle/>
+          <a:p>
+            <a:fld id="{00F9161C-B321-49D1-A25F-D86D3AE834CC}" type="datetime1">
+              <a:rPr lang="de-DE" smtClean="0"/>
+              <a:t>20.04.2024</a:t>
+            </a:fld>
+            <a:endParaRPr lang="de-DE"/>
+          </a:p>
+        </p:txBody>
+      </p:sp>
+      <p:sp>
+        <p:nvSpPr>
+          <p:cNvPr id="3" name="Footer Placeholder 2">
+            <a:extLst>
+              <a:ext uri="{FF2B5EF4-FFF2-40B4-BE49-F238E27FC236}">
+                <a16:creationId xmlns:a16="http://schemas.microsoft.com/office/drawing/2014/main" id="{B33DAB1F-AB4A-8A91-E844-D0FB3FDD98FC}"/>
+              </a:ext>
+            </a:extLst>
+          </p:cNvPr>
+          <p:cNvSpPr>
+            <a:spLocks noGrp="1"/>
+          </p:cNvSpPr>
+          <p:nvPr>
+            <p:ph type="ftr" sz="quarter" idx="14"/>
+          </p:nvPr>
+        </p:nvSpPr>
+        <p:spPr/>
+        <p:txBody>
+          <a:bodyPr/>
+          <a:lstStyle/>
+          <a:p>
+            <a:r>
+              <a:rPr lang="de-DE"/>
+              <a:t>RUSTikales Rust for beginners</a:t>
+            </a:r>
           </a:p>
         </p:txBody>
       </p:sp>
@@ -16599,6 +18117,63 @@
           </a:ln>
         </p:spPr>
       </p:pic>
+      <p:sp>
+        <p:nvSpPr>
+          <p:cNvPr id="2" name="Date Placeholder 1">
+            <a:extLst>
+              <a:ext uri="{FF2B5EF4-FFF2-40B4-BE49-F238E27FC236}">
+                <a16:creationId xmlns:a16="http://schemas.microsoft.com/office/drawing/2014/main" id="{371C1EFA-181C-356F-BA90-1CAD8DADBCFB}"/>
+              </a:ext>
+            </a:extLst>
+          </p:cNvPr>
+          <p:cNvSpPr>
+            <a:spLocks noGrp="1"/>
+          </p:cNvSpPr>
+          <p:nvPr>
+            <p:ph type="dt" sz="half" idx="13"/>
+          </p:nvPr>
+        </p:nvSpPr>
+        <p:spPr/>
+        <p:txBody>
+          <a:bodyPr/>
+          <a:lstStyle/>
+          <a:p>
+            <a:fld id="{3DDDE70C-3087-4015-9C74-99CAFF06C94C}" type="datetime1">
+              <a:rPr lang="de-DE" smtClean="0"/>
+              <a:t>20.04.2024</a:t>
+            </a:fld>
+            <a:endParaRPr lang="de-DE"/>
+          </a:p>
+        </p:txBody>
+      </p:sp>
+      <p:sp>
+        <p:nvSpPr>
+          <p:cNvPr id="3" name="Footer Placeholder 2">
+            <a:extLst>
+              <a:ext uri="{FF2B5EF4-FFF2-40B4-BE49-F238E27FC236}">
+                <a16:creationId xmlns:a16="http://schemas.microsoft.com/office/drawing/2014/main" id="{E32CABB0-7D9C-6253-F06D-B1668164510B}"/>
+              </a:ext>
+            </a:extLst>
+          </p:cNvPr>
+          <p:cNvSpPr>
+            <a:spLocks noGrp="1"/>
+          </p:cNvSpPr>
+          <p:nvPr>
+            <p:ph type="ftr" sz="quarter" idx="14"/>
+          </p:nvPr>
+        </p:nvSpPr>
+        <p:spPr/>
+        <p:txBody>
+          <a:bodyPr/>
+          <a:lstStyle/>
+          <a:p>
+            <a:r>
+              <a:rPr lang="de-DE"/>
+              <a:t>RUSTikales Rust for beginners</a:t>
+            </a:r>
+          </a:p>
+        </p:txBody>
+      </p:sp>
     </p:spTree>
     <p:extLst>
       <p:ext uri="{BB962C8B-B14F-4D97-AF65-F5344CB8AC3E}">
@@ -17002,6 +18577,63 @@
           </a:p>
         </p:txBody>
       </p:sp>
+      <p:sp>
+        <p:nvSpPr>
+          <p:cNvPr id="2" name="Date Placeholder 1">
+            <a:extLst>
+              <a:ext uri="{FF2B5EF4-FFF2-40B4-BE49-F238E27FC236}">
+                <a16:creationId xmlns:a16="http://schemas.microsoft.com/office/drawing/2014/main" id="{B958AC56-47CF-DD25-426A-5BEEB8B7978E}"/>
+              </a:ext>
+            </a:extLst>
+          </p:cNvPr>
+          <p:cNvSpPr>
+            <a:spLocks noGrp="1"/>
+          </p:cNvSpPr>
+          <p:nvPr>
+            <p:ph type="dt" sz="half" idx="13"/>
+          </p:nvPr>
+        </p:nvSpPr>
+        <p:spPr/>
+        <p:txBody>
+          <a:bodyPr/>
+          <a:lstStyle/>
+          <a:p>
+            <a:fld id="{342E8967-A443-434F-B9E4-D7F742AAA8CD}" type="datetime1">
+              <a:rPr lang="de-DE" smtClean="0"/>
+              <a:t>20.04.2024</a:t>
+            </a:fld>
+            <a:endParaRPr lang="de-DE"/>
+          </a:p>
+        </p:txBody>
+      </p:sp>
+      <p:sp>
+        <p:nvSpPr>
+          <p:cNvPr id="3" name="Footer Placeholder 2">
+            <a:extLst>
+              <a:ext uri="{FF2B5EF4-FFF2-40B4-BE49-F238E27FC236}">
+                <a16:creationId xmlns:a16="http://schemas.microsoft.com/office/drawing/2014/main" id="{55FDF44E-4E56-1E3C-5529-E254BE4744A6}"/>
+              </a:ext>
+            </a:extLst>
+          </p:cNvPr>
+          <p:cNvSpPr>
+            <a:spLocks noGrp="1"/>
+          </p:cNvSpPr>
+          <p:nvPr>
+            <p:ph type="ftr" sz="quarter" idx="14"/>
+          </p:nvPr>
+        </p:nvSpPr>
+        <p:spPr/>
+        <p:txBody>
+          <a:bodyPr/>
+          <a:lstStyle/>
+          <a:p>
+            <a:r>
+              <a:rPr lang="de-DE"/>
+              <a:t>RUSTikales Rust for beginners</a:t>
+            </a:r>
+          </a:p>
+        </p:txBody>
+      </p:sp>
     </p:spTree>
   </p:cSld>
   <p:clrMapOvr>
@@ -17148,6 +18780,63 @@
           </a:prstGeom>
         </p:spPr>
       </p:pic>
+      <p:sp>
+        <p:nvSpPr>
+          <p:cNvPr id="2" name="Date Placeholder 1">
+            <a:extLst>
+              <a:ext uri="{FF2B5EF4-FFF2-40B4-BE49-F238E27FC236}">
+                <a16:creationId xmlns:a16="http://schemas.microsoft.com/office/drawing/2014/main" id="{4EB94CE1-4122-F9F0-C9A4-A2C0B2546F6F}"/>
+              </a:ext>
+            </a:extLst>
+          </p:cNvPr>
+          <p:cNvSpPr>
+            <a:spLocks noGrp="1"/>
+          </p:cNvSpPr>
+          <p:nvPr>
+            <p:ph type="dt" sz="half" idx="13"/>
+          </p:nvPr>
+        </p:nvSpPr>
+        <p:spPr/>
+        <p:txBody>
+          <a:bodyPr/>
+          <a:lstStyle/>
+          <a:p>
+            <a:fld id="{BE57E063-826C-4A99-85D8-C3BD8A3725E2}" type="datetime1">
+              <a:rPr lang="de-DE" smtClean="0"/>
+              <a:t>20.04.2024</a:t>
+            </a:fld>
+            <a:endParaRPr lang="de-DE"/>
+          </a:p>
+        </p:txBody>
+      </p:sp>
+      <p:sp>
+        <p:nvSpPr>
+          <p:cNvPr id="4" name="Footer Placeholder 3">
+            <a:extLst>
+              <a:ext uri="{FF2B5EF4-FFF2-40B4-BE49-F238E27FC236}">
+                <a16:creationId xmlns:a16="http://schemas.microsoft.com/office/drawing/2014/main" id="{AC0E966D-E2DF-2064-ADC6-871A992506E2}"/>
+              </a:ext>
+            </a:extLst>
+          </p:cNvPr>
+          <p:cNvSpPr>
+            <a:spLocks noGrp="1"/>
+          </p:cNvSpPr>
+          <p:nvPr>
+            <p:ph type="ftr" sz="quarter" idx="14"/>
+          </p:nvPr>
+        </p:nvSpPr>
+        <p:spPr/>
+        <p:txBody>
+          <a:bodyPr/>
+          <a:lstStyle/>
+          <a:p>
+            <a:r>
+              <a:rPr lang="de-DE"/>
+              <a:t>RUSTikales Rust for beginners</a:t>
+            </a:r>
+          </a:p>
+        </p:txBody>
+      </p:sp>
     </p:spTree>
   </p:cSld>
   <p:clrMapOvr>
@@ -17254,6 +18943,63 @@
                 <a:schemeClr val="bg1"/>
               </a:solidFill>
             </a:endParaRPr>
+          </a:p>
+        </p:txBody>
+      </p:sp>
+      <p:sp>
+        <p:nvSpPr>
+          <p:cNvPr id="2" name="Date Placeholder 1">
+            <a:extLst>
+              <a:ext uri="{FF2B5EF4-FFF2-40B4-BE49-F238E27FC236}">
+                <a16:creationId xmlns:a16="http://schemas.microsoft.com/office/drawing/2014/main" id="{6A8B5D3D-CBE4-AB96-78C6-834813E59E57}"/>
+              </a:ext>
+            </a:extLst>
+          </p:cNvPr>
+          <p:cNvSpPr>
+            <a:spLocks noGrp="1"/>
+          </p:cNvSpPr>
+          <p:nvPr>
+            <p:ph type="dt" sz="half" idx="13"/>
+          </p:nvPr>
+        </p:nvSpPr>
+        <p:spPr/>
+        <p:txBody>
+          <a:bodyPr/>
+          <a:lstStyle/>
+          <a:p>
+            <a:fld id="{9B54AC26-C008-4FC7-AD6D-C66CBC1432ED}" type="datetime1">
+              <a:rPr lang="de-DE" smtClean="0"/>
+              <a:t>20.04.2024</a:t>
+            </a:fld>
+            <a:endParaRPr lang="de-DE"/>
+          </a:p>
+        </p:txBody>
+      </p:sp>
+      <p:sp>
+        <p:nvSpPr>
+          <p:cNvPr id="3" name="Footer Placeholder 2">
+            <a:extLst>
+              <a:ext uri="{FF2B5EF4-FFF2-40B4-BE49-F238E27FC236}">
+                <a16:creationId xmlns:a16="http://schemas.microsoft.com/office/drawing/2014/main" id="{B8BDC36B-20A3-11F4-46DE-40A7E75982B3}"/>
+              </a:ext>
+            </a:extLst>
+          </p:cNvPr>
+          <p:cNvSpPr>
+            <a:spLocks noGrp="1"/>
+          </p:cNvSpPr>
+          <p:nvPr>
+            <p:ph type="ftr" sz="quarter" idx="14"/>
+          </p:nvPr>
+        </p:nvSpPr>
+        <p:spPr/>
+        <p:txBody>
+          <a:bodyPr/>
+          <a:lstStyle/>
+          <a:p>
+            <a:r>
+              <a:rPr lang="de-DE"/>
+              <a:t>RUSTikales Rust for beginners</a:t>
+            </a:r>
           </a:p>
         </p:txBody>
       </p:sp>
@@ -17564,6 +19310,63 @@
           </a:p>
         </p:txBody>
       </p:sp>
+      <p:sp>
+        <p:nvSpPr>
+          <p:cNvPr id="2" name="Date Placeholder 1">
+            <a:extLst>
+              <a:ext uri="{FF2B5EF4-FFF2-40B4-BE49-F238E27FC236}">
+                <a16:creationId xmlns:a16="http://schemas.microsoft.com/office/drawing/2014/main" id="{26D97F18-BD74-2262-EFF5-803EF73C6EEA}"/>
+              </a:ext>
+            </a:extLst>
+          </p:cNvPr>
+          <p:cNvSpPr>
+            <a:spLocks noGrp="1"/>
+          </p:cNvSpPr>
+          <p:nvPr>
+            <p:ph type="dt" sz="half" idx="13"/>
+          </p:nvPr>
+        </p:nvSpPr>
+        <p:spPr/>
+        <p:txBody>
+          <a:bodyPr/>
+          <a:lstStyle/>
+          <a:p>
+            <a:fld id="{F562A8BC-8235-4360-A54A-83F959540B2E}" type="datetime1">
+              <a:rPr lang="de-DE" smtClean="0"/>
+              <a:t>20.04.2024</a:t>
+            </a:fld>
+            <a:endParaRPr lang="de-DE"/>
+          </a:p>
+        </p:txBody>
+      </p:sp>
+      <p:sp>
+        <p:nvSpPr>
+          <p:cNvPr id="3" name="Footer Placeholder 2">
+            <a:extLst>
+              <a:ext uri="{FF2B5EF4-FFF2-40B4-BE49-F238E27FC236}">
+                <a16:creationId xmlns:a16="http://schemas.microsoft.com/office/drawing/2014/main" id="{CCB303BC-F862-07A9-72FB-8C2A49D12102}"/>
+              </a:ext>
+            </a:extLst>
+          </p:cNvPr>
+          <p:cNvSpPr>
+            <a:spLocks noGrp="1"/>
+          </p:cNvSpPr>
+          <p:nvPr>
+            <p:ph type="ftr" sz="quarter" idx="14"/>
+          </p:nvPr>
+        </p:nvSpPr>
+        <p:spPr/>
+        <p:txBody>
+          <a:bodyPr/>
+          <a:lstStyle/>
+          <a:p>
+            <a:r>
+              <a:rPr lang="de-DE"/>
+              <a:t>RUSTikales Rust for beginners</a:t>
+            </a:r>
+          </a:p>
+        </p:txBody>
+      </p:sp>
     </p:spTree>
     <p:extLst>
       <p:ext uri="{BB962C8B-B14F-4D97-AF65-F5344CB8AC3E}">
@@ -17815,6 +19618,63 @@
           </a:p>
         </p:txBody>
       </p:sp>
+      <p:sp>
+        <p:nvSpPr>
+          <p:cNvPr id="2" name="Date Placeholder 1">
+            <a:extLst>
+              <a:ext uri="{FF2B5EF4-FFF2-40B4-BE49-F238E27FC236}">
+                <a16:creationId xmlns:a16="http://schemas.microsoft.com/office/drawing/2014/main" id="{AE02F9A3-7EEC-1442-FEA7-7C423B8FCB3A}"/>
+              </a:ext>
+            </a:extLst>
+          </p:cNvPr>
+          <p:cNvSpPr>
+            <a:spLocks noGrp="1"/>
+          </p:cNvSpPr>
+          <p:nvPr>
+            <p:ph type="dt" sz="half" idx="13"/>
+          </p:nvPr>
+        </p:nvSpPr>
+        <p:spPr/>
+        <p:txBody>
+          <a:bodyPr/>
+          <a:lstStyle/>
+          <a:p>
+            <a:fld id="{FA9F8EEF-527E-4A4E-A19E-21E26D6B0F66}" type="datetime1">
+              <a:rPr lang="de-DE" smtClean="0"/>
+              <a:t>20.04.2024</a:t>
+            </a:fld>
+            <a:endParaRPr lang="de-DE"/>
+          </a:p>
+        </p:txBody>
+      </p:sp>
+      <p:sp>
+        <p:nvSpPr>
+          <p:cNvPr id="3" name="Footer Placeholder 2">
+            <a:extLst>
+              <a:ext uri="{FF2B5EF4-FFF2-40B4-BE49-F238E27FC236}">
+                <a16:creationId xmlns:a16="http://schemas.microsoft.com/office/drawing/2014/main" id="{40D2ABD2-3D37-1A3A-708C-0D2FD8E14844}"/>
+              </a:ext>
+            </a:extLst>
+          </p:cNvPr>
+          <p:cNvSpPr>
+            <a:spLocks noGrp="1"/>
+          </p:cNvSpPr>
+          <p:nvPr>
+            <p:ph type="ftr" sz="quarter" idx="14"/>
+          </p:nvPr>
+        </p:nvSpPr>
+        <p:spPr/>
+        <p:txBody>
+          <a:bodyPr/>
+          <a:lstStyle/>
+          <a:p>
+            <a:r>
+              <a:rPr lang="de-DE"/>
+              <a:t>RUSTikales Rust for beginners</a:t>
+            </a:r>
+          </a:p>
+        </p:txBody>
+      </p:sp>
     </p:spTree>
   </p:cSld>
   <p:clrMapOvr>
@@ -17926,6 +19786,63 @@
                 <a:srgbClr val="FFFFFF"/>
               </a:solidFill>
             </a:endParaRPr>
+          </a:p>
+        </p:txBody>
+      </p:sp>
+      <p:sp>
+        <p:nvSpPr>
+          <p:cNvPr id="2" name="Date Placeholder 1">
+            <a:extLst>
+              <a:ext uri="{FF2B5EF4-FFF2-40B4-BE49-F238E27FC236}">
+                <a16:creationId xmlns:a16="http://schemas.microsoft.com/office/drawing/2014/main" id="{5CA4CB8D-C212-FCB0-9C08-634B679AAB60}"/>
+              </a:ext>
+            </a:extLst>
+          </p:cNvPr>
+          <p:cNvSpPr>
+            <a:spLocks noGrp="1"/>
+          </p:cNvSpPr>
+          <p:nvPr>
+            <p:ph type="dt" sz="half" idx="13"/>
+          </p:nvPr>
+        </p:nvSpPr>
+        <p:spPr/>
+        <p:txBody>
+          <a:bodyPr/>
+          <a:lstStyle/>
+          <a:p>
+            <a:fld id="{804AE984-16E7-4C13-A8CE-CB11D47372B9}" type="datetime1">
+              <a:rPr lang="de-DE" smtClean="0"/>
+              <a:t>20.04.2024</a:t>
+            </a:fld>
+            <a:endParaRPr lang="de-DE"/>
+          </a:p>
+        </p:txBody>
+      </p:sp>
+      <p:sp>
+        <p:nvSpPr>
+          <p:cNvPr id="3" name="Footer Placeholder 2">
+            <a:extLst>
+              <a:ext uri="{FF2B5EF4-FFF2-40B4-BE49-F238E27FC236}">
+                <a16:creationId xmlns:a16="http://schemas.microsoft.com/office/drawing/2014/main" id="{9B9996DF-6B8B-148C-7212-F77879DBC7A5}"/>
+              </a:ext>
+            </a:extLst>
+          </p:cNvPr>
+          <p:cNvSpPr>
+            <a:spLocks noGrp="1"/>
+          </p:cNvSpPr>
+          <p:nvPr>
+            <p:ph type="ftr" sz="quarter" idx="14"/>
+          </p:nvPr>
+        </p:nvSpPr>
+        <p:spPr/>
+        <p:txBody>
+          <a:bodyPr/>
+          <a:lstStyle/>
+          <a:p>
+            <a:r>
+              <a:rPr lang="de-DE"/>
+              <a:t>RUSTikales Rust for beginners</a:t>
+            </a:r>
           </a:p>
         </p:txBody>
       </p:sp>
@@ -18052,6 +19969,63 @@
           </a:p>
         </p:txBody>
       </p:sp>
+      <p:sp>
+        <p:nvSpPr>
+          <p:cNvPr id="2" name="Date Placeholder 1">
+            <a:extLst>
+              <a:ext uri="{FF2B5EF4-FFF2-40B4-BE49-F238E27FC236}">
+                <a16:creationId xmlns:a16="http://schemas.microsoft.com/office/drawing/2014/main" id="{F81FA2E7-A233-3AC0-2B86-8A3A1CC49E87}"/>
+              </a:ext>
+            </a:extLst>
+          </p:cNvPr>
+          <p:cNvSpPr>
+            <a:spLocks noGrp="1"/>
+          </p:cNvSpPr>
+          <p:nvPr>
+            <p:ph type="dt" sz="half" idx="13"/>
+          </p:nvPr>
+        </p:nvSpPr>
+        <p:spPr/>
+        <p:txBody>
+          <a:bodyPr/>
+          <a:lstStyle/>
+          <a:p>
+            <a:fld id="{F2996AE7-517A-4234-A036-AF018559EF2F}" type="datetime1">
+              <a:rPr lang="de-DE" smtClean="0"/>
+              <a:t>20.04.2024</a:t>
+            </a:fld>
+            <a:endParaRPr lang="de-DE"/>
+          </a:p>
+        </p:txBody>
+      </p:sp>
+      <p:sp>
+        <p:nvSpPr>
+          <p:cNvPr id="3" name="Footer Placeholder 2">
+            <a:extLst>
+              <a:ext uri="{FF2B5EF4-FFF2-40B4-BE49-F238E27FC236}">
+                <a16:creationId xmlns:a16="http://schemas.microsoft.com/office/drawing/2014/main" id="{20A32C1A-33B9-BB1D-63FD-E0DCF11D5CFD}"/>
+              </a:ext>
+            </a:extLst>
+          </p:cNvPr>
+          <p:cNvSpPr>
+            <a:spLocks noGrp="1"/>
+          </p:cNvSpPr>
+          <p:nvPr>
+            <p:ph type="ftr" sz="quarter" idx="14"/>
+          </p:nvPr>
+        </p:nvSpPr>
+        <p:spPr/>
+        <p:txBody>
+          <a:bodyPr/>
+          <a:lstStyle/>
+          <a:p>
+            <a:r>
+              <a:rPr lang="de-DE"/>
+              <a:t>RUSTikales Rust for beginners</a:t>
+            </a:r>
+          </a:p>
+        </p:txBody>
+      </p:sp>
     </p:spTree>
     <p:extLst>
       <p:ext uri="{BB962C8B-B14F-4D97-AF65-F5344CB8AC3E}">
@@ -18192,6 +20166,63 @@
           </a:p>
         </p:txBody>
       </p:sp>
+      <p:sp>
+        <p:nvSpPr>
+          <p:cNvPr id="2" name="Date Placeholder 1">
+            <a:extLst>
+              <a:ext uri="{FF2B5EF4-FFF2-40B4-BE49-F238E27FC236}">
+                <a16:creationId xmlns:a16="http://schemas.microsoft.com/office/drawing/2014/main" id="{7C95335B-5FA2-9AA2-E7B3-486524DACA74}"/>
+              </a:ext>
+            </a:extLst>
+          </p:cNvPr>
+          <p:cNvSpPr>
+            <a:spLocks noGrp="1"/>
+          </p:cNvSpPr>
+          <p:nvPr>
+            <p:ph type="dt" sz="half" idx="13"/>
+          </p:nvPr>
+        </p:nvSpPr>
+        <p:spPr/>
+        <p:txBody>
+          <a:bodyPr/>
+          <a:lstStyle/>
+          <a:p>
+            <a:fld id="{CE5A4860-4F6F-452E-AE65-2737ADFCE993}" type="datetime1">
+              <a:rPr lang="de-DE" smtClean="0"/>
+              <a:t>20.04.2024</a:t>
+            </a:fld>
+            <a:endParaRPr lang="de-DE"/>
+          </a:p>
+        </p:txBody>
+      </p:sp>
+      <p:sp>
+        <p:nvSpPr>
+          <p:cNvPr id="3" name="Footer Placeholder 2">
+            <a:extLst>
+              <a:ext uri="{FF2B5EF4-FFF2-40B4-BE49-F238E27FC236}">
+                <a16:creationId xmlns:a16="http://schemas.microsoft.com/office/drawing/2014/main" id="{7D817534-5137-C8FB-FC18-B1362936BB8C}"/>
+              </a:ext>
+            </a:extLst>
+          </p:cNvPr>
+          <p:cNvSpPr>
+            <a:spLocks noGrp="1"/>
+          </p:cNvSpPr>
+          <p:nvPr>
+            <p:ph type="ftr" sz="quarter" idx="14"/>
+          </p:nvPr>
+        </p:nvSpPr>
+        <p:spPr/>
+        <p:txBody>
+          <a:bodyPr/>
+          <a:lstStyle/>
+          <a:p>
+            <a:r>
+              <a:rPr lang="de-DE"/>
+              <a:t>RUSTikales Rust for beginners</a:t>
+            </a:r>
+          </a:p>
+        </p:txBody>
+      </p:sp>
     </p:spTree>
     <p:extLst>
       <p:ext uri="{BB962C8B-B14F-4D97-AF65-F5344CB8AC3E}">
@@ -18399,6 +20430,63 @@
           </a:p>
         </p:txBody>
       </p:sp>
+      <p:sp>
+        <p:nvSpPr>
+          <p:cNvPr id="2" name="Date Placeholder 1">
+            <a:extLst>
+              <a:ext uri="{FF2B5EF4-FFF2-40B4-BE49-F238E27FC236}">
+                <a16:creationId xmlns:a16="http://schemas.microsoft.com/office/drawing/2014/main" id="{3DBA29CE-5E76-B7E5-12E3-BC4670E5B4A3}"/>
+              </a:ext>
+            </a:extLst>
+          </p:cNvPr>
+          <p:cNvSpPr>
+            <a:spLocks noGrp="1"/>
+          </p:cNvSpPr>
+          <p:nvPr>
+            <p:ph type="dt" sz="half" idx="13"/>
+          </p:nvPr>
+        </p:nvSpPr>
+        <p:spPr/>
+        <p:txBody>
+          <a:bodyPr/>
+          <a:lstStyle/>
+          <a:p>
+            <a:fld id="{C7B644BC-F7D4-415C-AFEA-B0A7A4E88ABF}" type="datetime1">
+              <a:rPr lang="de-DE" smtClean="0"/>
+              <a:t>20.04.2024</a:t>
+            </a:fld>
+            <a:endParaRPr lang="de-DE"/>
+          </a:p>
+        </p:txBody>
+      </p:sp>
+      <p:sp>
+        <p:nvSpPr>
+          <p:cNvPr id="3" name="Footer Placeholder 2">
+            <a:extLst>
+              <a:ext uri="{FF2B5EF4-FFF2-40B4-BE49-F238E27FC236}">
+                <a16:creationId xmlns:a16="http://schemas.microsoft.com/office/drawing/2014/main" id="{C1BA646F-BF16-72EC-E9ED-49E7CB95D308}"/>
+              </a:ext>
+            </a:extLst>
+          </p:cNvPr>
+          <p:cNvSpPr>
+            <a:spLocks noGrp="1"/>
+          </p:cNvSpPr>
+          <p:nvPr>
+            <p:ph type="ftr" sz="quarter" idx="14"/>
+          </p:nvPr>
+        </p:nvSpPr>
+        <p:spPr/>
+        <p:txBody>
+          <a:bodyPr/>
+          <a:lstStyle/>
+          <a:p>
+            <a:r>
+              <a:rPr lang="de-DE"/>
+              <a:t>RUSTikales Rust for beginners</a:t>
+            </a:r>
+          </a:p>
+        </p:txBody>
+      </p:sp>
     </p:spTree>
     <p:extLst>
       <p:ext uri="{BB962C8B-B14F-4D97-AF65-F5344CB8AC3E}">
@@ -18653,6 +20741,63 @@
           </a:p>
         </p:txBody>
       </p:sp>
+      <p:sp>
+        <p:nvSpPr>
+          <p:cNvPr id="2" name="Date Placeholder 1">
+            <a:extLst>
+              <a:ext uri="{FF2B5EF4-FFF2-40B4-BE49-F238E27FC236}">
+                <a16:creationId xmlns:a16="http://schemas.microsoft.com/office/drawing/2014/main" id="{8C74C1C7-896C-1B19-D3A3-D34DE2FB6285}"/>
+              </a:ext>
+            </a:extLst>
+          </p:cNvPr>
+          <p:cNvSpPr>
+            <a:spLocks noGrp="1"/>
+          </p:cNvSpPr>
+          <p:nvPr>
+            <p:ph type="dt" sz="half" idx="13"/>
+          </p:nvPr>
+        </p:nvSpPr>
+        <p:spPr/>
+        <p:txBody>
+          <a:bodyPr/>
+          <a:lstStyle/>
+          <a:p>
+            <a:fld id="{03DB2CBC-DACC-4DA0-8137-E321A7DE7282}" type="datetime1">
+              <a:rPr lang="de-DE" smtClean="0"/>
+              <a:t>20.04.2024</a:t>
+            </a:fld>
+            <a:endParaRPr lang="de-DE"/>
+          </a:p>
+        </p:txBody>
+      </p:sp>
+      <p:sp>
+        <p:nvSpPr>
+          <p:cNvPr id="3" name="Footer Placeholder 2">
+            <a:extLst>
+              <a:ext uri="{FF2B5EF4-FFF2-40B4-BE49-F238E27FC236}">
+                <a16:creationId xmlns:a16="http://schemas.microsoft.com/office/drawing/2014/main" id="{F88E9269-06CF-4724-359D-CBA42979A5F7}"/>
+              </a:ext>
+            </a:extLst>
+          </p:cNvPr>
+          <p:cNvSpPr>
+            <a:spLocks noGrp="1"/>
+          </p:cNvSpPr>
+          <p:nvPr>
+            <p:ph type="ftr" sz="quarter" idx="14"/>
+          </p:nvPr>
+        </p:nvSpPr>
+        <p:spPr/>
+        <p:txBody>
+          <a:bodyPr/>
+          <a:lstStyle/>
+          <a:p>
+            <a:r>
+              <a:rPr lang="de-DE"/>
+              <a:t>RUSTikales Rust for beginners</a:t>
+            </a:r>
+          </a:p>
+        </p:txBody>
+      </p:sp>
     </p:spTree>
     <p:extLst>
       <p:ext uri="{BB962C8B-B14F-4D97-AF65-F5344CB8AC3E}">
@@ -18788,6 +20933,63 @@
           </a:p>
         </p:txBody>
       </p:sp>
+      <p:sp>
+        <p:nvSpPr>
+          <p:cNvPr id="2" name="Date Placeholder 1">
+            <a:extLst>
+              <a:ext uri="{FF2B5EF4-FFF2-40B4-BE49-F238E27FC236}">
+                <a16:creationId xmlns:a16="http://schemas.microsoft.com/office/drawing/2014/main" id="{2B0BAF0F-FE52-79D8-F737-36ED885627C7}"/>
+              </a:ext>
+            </a:extLst>
+          </p:cNvPr>
+          <p:cNvSpPr>
+            <a:spLocks noGrp="1"/>
+          </p:cNvSpPr>
+          <p:nvPr>
+            <p:ph type="dt" sz="half" idx="13"/>
+          </p:nvPr>
+        </p:nvSpPr>
+        <p:spPr/>
+        <p:txBody>
+          <a:bodyPr/>
+          <a:lstStyle/>
+          <a:p>
+            <a:fld id="{16D412A0-07D7-41D6-AD20-5EA0CF777373}" type="datetime1">
+              <a:rPr lang="de-DE" smtClean="0"/>
+              <a:t>20.04.2024</a:t>
+            </a:fld>
+            <a:endParaRPr lang="de-DE"/>
+          </a:p>
+        </p:txBody>
+      </p:sp>
+      <p:sp>
+        <p:nvSpPr>
+          <p:cNvPr id="3" name="Footer Placeholder 2">
+            <a:extLst>
+              <a:ext uri="{FF2B5EF4-FFF2-40B4-BE49-F238E27FC236}">
+                <a16:creationId xmlns:a16="http://schemas.microsoft.com/office/drawing/2014/main" id="{30A042D9-5A88-9BAA-6462-1A8E4DF5C5E5}"/>
+              </a:ext>
+            </a:extLst>
+          </p:cNvPr>
+          <p:cNvSpPr>
+            <a:spLocks noGrp="1"/>
+          </p:cNvSpPr>
+          <p:nvPr>
+            <p:ph type="ftr" sz="quarter" idx="14"/>
+          </p:nvPr>
+        </p:nvSpPr>
+        <p:spPr/>
+        <p:txBody>
+          <a:bodyPr/>
+          <a:lstStyle/>
+          <a:p>
+            <a:r>
+              <a:rPr lang="de-DE"/>
+              <a:t>RUSTikales Rust for beginners</a:t>
+            </a:r>
+          </a:p>
+        </p:txBody>
+      </p:sp>
     </p:spTree>
     <p:extLst>
       <p:ext uri="{BB962C8B-B14F-4D97-AF65-F5344CB8AC3E}">
@@ -18891,6 +21093,63 @@
           </a:prstGeom>
         </p:spPr>
       </p:pic>
+      <p:sp>
+        <p:nvSpPr>
+          <p:cNvPr id="2" name="Date Placeholder 1">
+            <a:extLst>
+              <a:ext uri="{FF2B5EF4-FFF2-40B4-BE49-F238E27FC236}">
+                <a16:creationId xmlns:a16="http://schemas.microsoft.com/office/drawing/2014/main" id="{B272BCDD-55E7-B503-87D1-CF8AC6A40C99}"/>
+              </a:ext>
+            </a:extLst>
+          </p:cNvPr>
+          <p:cNvSpPr>
+            <a:spLocks noGrp="1"/>
+          </p:cNvSpPr>
+          <p:nvPr>
+            <p:ph type="dt" sz="half" idx="13"/>
+          </p:nvPr>
+        </p:nvSpPr>
+        <p:spPr/>
+        <p:txBody>
+          <a:bodyPr/>
+          <a:lstStyle/>
+          <a:p>
+            <a:fld id="{B0E5BDC7-66FD-4131-8F7A-49C5B6080C83}" type="datetime1">
+              <a:rPr lang="de-DE" smtClean="0"/>
+              <a:t>20.04.2024</a:t>
+            </a:fld>
+            <a:endParaRPr lang="de-DE"/>
+          </a:p>
+        </p:txBody>
+      </p:sp>
+      <p:sp>
+        <p:nvSpPr>
+          <p:cNvPr id="3" name="Footer Placeholder 2">
+            <a:extLst>
+              <a:ext uri="{FF2B5EF4-FFF2-40B4-BE49-F238E27FC236}">
+                <a16:creationId xmlns:a16="http://schemas.microsoft.com/office/drawing/2014/main" id="{47244C77-0333-6EBC-FFC1-C1DCE9DB6BEA}"/>
+              </a:ext>
+            </a:extLst>
+          </p:cNvPr>
+          <p:cNvSpPr>
+            <a:spLocks noGrp="1"/>
+          </p:cNvSpPr>
+          <p:nvPr>
+            <p:ph type="ftr" sz="quarter" idx="14"/>
+          </p:nvPr>
+        </p:nvSpPr>
+        <p:spPr/>
+        <p:txBody>
+          <a:bodyPr/>
+          <a:lstStyle/>
+          <a:p>
+            <a:r>
+              <a:rPr lang="de-DE"/>
+              <a:t>RUSTikales Rust for beginners</a:t>
+            </a:r>
+          </a:p>
+        </p:txBody>
+      </p:sp>
     </p:spTree>
     <p:extLst>
       <p:ext uri="{BB962C8B-B14F-4D97-AF65-F5344CB8AC3E}">
@@ -19085,6 +21344,63 @@
           </a:p>
         </p:txBody>
       </p:sp>
+      <p:sp>
+        <p:nvSpPr>
+          <p:cNvPr id="2" name="Date Placeholder 1">
+            <a:extLst>
+              <a:ext uri="{FF2B5EF4-FFF2-40B4-BE49-F238E27FC236}">
+                <a16:creationId xmlns:a16="http://schemas.microsoft.com/office/drawing/2014/main" id="{0E869818-E03A-63DC-1413-72B6E92ED524}"/>
+              </a:ext>
+            </a:extLst>
+          </p:cNvPr>
+          <p:cNvSpPr>
+            <a:spLocks noGrp="1"/>
+          </p:cNvSpPr>
+          <p:nvPr>
+            <p:ph type="dt" sz="half" idx="13"/>
+          </p:nvPr>
+        </p:nvSpPr>
+        <p:spPr/>
+        <p:txBody>
+          <a:bodyPr/>
+          <a:lstStyle/>
+          <a:p>
+            <a:fld id="{38F2AA35-8D01-46D5-BD7F-EF192A81787A}" type="datetime1">
+              <a:rPr lang="de-DE" smtClean="0"/>
+              <a:t>20.04.2024</a:t>
+            </a:fld>
+            <a:endParaRPr lang="de-DE"/>
+          </a:p>
+        </p:txBody>
+      </p:sp>
+      <p:sp>
+        <p:nvSpPr>
+          <p:cNvPr id="3" name="Footer Placeholder 2">
+            <a:extLst>
+              <a:ext uri="{FF2B5EF4-FFF2-40B4-BE49-F238E27FC236}">
+                <a16:creationId xmlns:a16="http://schemas.microsoft.com/office/drawing/2014/main" id="{EEB49BD0-BA39-0A9F-868B-EB2EAAA30D39}"/>
+              </a:ext>
+            </a:extLst>
+          </p:cNvPr>
+          <p:cNvSpPr>
+            <a:spLocks noGrp="1"/>
+          </p:cNvSpPr>
+          <p:nvPr>
+            <p:ph type="ftr" sz="quarter" idx="14"/>
+          </p:nvPr>
+        </p:nvSpPr>
+        <p:spPr/>
+        <p:txBody>
+          <a:bodyPr/>
+          <a:lstStyle/>
+          <a:p>
+            <a:r>
+              <a:rPr lang="de-DE"/>
+              <a:t>RUSTikales Rust for beginners</a:t>
+            </a:r>
+          </a:p>
+        </p:txBody>
+      </p:sp>
     </p:spTree>
     <p:extLst>
       <p:ext uri="{BB962C8B-B14F-4D97-AF65-F5344CB8AC3E}">
@@ -19279,6 +21595,63 @@
           </a:p>
         </p:txBody>
       </p:sp>
+      <p:sp>
+        <p:nvSpPr>
+          <p:cNvPr id="2" name="Date Placeholder 1">
+            <a:extLst>
+              <a:ext uri="{FF2B5EF4-FFF2-40B4-BE49-F238E27FC236}">
+                <a16:creationId xmlns:a16="http://schemas.microsoft.com/office/drawing/2014/main" id="{E6FC1857-A042-AE52-7521-0CDEBA8D4600}"/>
+              </a:ext>
+            </a:extLst>
+          </p:cNvPr>
+          <p:cNvSpPr>
+            <a:spLocks noGrp="1"/>
+          </p:cNvSpPr>
+          <p:nvPr>
+            <p:ph type="dt" sz="half" idx="13"/>
+          </p:nvPr>
+        </p:nvSpPr>
+        <p:spPr/>
+        <p:txBody>
+          <a:bodyPr/>
+          <a:lstStyle/>
+          <a:p>
+            <a:fld id="{8C7F56F1-6B04-4C76-BB63-08F4C5F711E1}" type="datetime1">
+              <a:rPr lang="de-DE" smtClean="0"/>
+              <a:t>20.04.2024</a:t>
+            </a:fld>
+            <a:endParaRPr lang="de-DE"/>
+          </a:p>
+        </p:txBody>
+      </p:sp>
+      <p:sp>
+        <p:nvSpPr>
+          <p:cNvPr id="3" name="Footer Placeholder 2">
+            <a:extLst>
+              <a:ext uri="{FF2B5EF4-FFF2-40B4-BE49-F238E27FC236}">
+                <a16:creationId xmlns:a16="http://schemas.microsoft.com/office/drawing/2014/main" id="{A662D6C7-3B41-EC52-1D70-D2DF5FEBE50F}"/>
+              </a:ext>
+            </a:extLst>
+          </p:cNvPr>
+          <p:cNvSpPr>
+            <a:spLocks noGrp="1"/>
+          </p:cNvSpPr>
+          <p:nvPr>
+            <p:ph type="ftr" sz="quarter" idx="14"/>
+          </p:nvPr>
+        </p:nvSpPr>
+        <p:spPr/>
+        <p:txBody>
+          <a:bodyPr/>
+          <a:lstStyle/>
+          <a:p>
+            <a:r>
+              <a:rPr lang="de-DE"/>
+              <a:t>RUSTikales Rust for beginners</a:t>
+            </a:r>
+          </a:p>
+        </p:txBody>
+      </p:sp>
     </p:spTree>
     <p:extLst>
       <p:ext uri="{BB962C8B-B14F-4D97-AF65-F5344CB8AC3E}">
@@ -19470,6 +21843,63 @@
           <a:p>
             <a:pPr algn="ctr"/>
             <a:endParaRPr lang="de-DE"/>
+          </a:p>
+        </p:txBody>
+      </p:sp>
+      <p:sp>
+        <p:nvSpPr>
+          <p:cNvPr id="4" name="Date Placeholder 3">
+            <a:extLst>
+              <a:ext uri="{FF2B5EF4-FFF2-40B4-BE49-F238E27FC236}">
+                <a16:creationId xmlns:a16="http://schemas.microsoft.com/office/drawing/2014/main" id="{58E48C8D-B1C6-D741-566F-8F0ED6B71804}"/>
+              </a:ext>
+            </a:extLst>
+          </p:cNvPr>
+          <p:cNvSpPr>
+            <a:spLocks noGrp="1"/>
+          </p:cNvSpPr>
+          <p:nvPr>
+            <p:ph type="dt" sz="half" idx="13"/>
+          </p:nvPr>
+        </p:nvSpPr>
+        <p:spPr/>
+        <p:txBody>
+          <a:bodyPr/>
+          <a:lstStyle/>
+          <a:p>
+            <a:fld id="{B5C3C36B-5FE6-428B-9EBA-B6B922847D49}" type="datetime1">
+              <a:rPr lang="de-DE" smtClean="0"/>
+              <a:t>20.04.2024</a:t>
+            </a:fld>
+            <a:endParaRPr lang="de-DE"/>
+          </a:p>
+        </p:txBody>
+      </p:sp>
+      <p:sp>
+        <p:nvSpPr>
+          <p:cNvPr id="6" name="Footer Placeholder 5">
+            <a:extLst>
+              <a:ext uri="{FF2B5EF4-FFF2-40B4-BE49-F238E27FC236}">
+                <a16:creationId xmlns:a16="http://schemas.microsoft.com/office/drawing/2014/main" id="{DF5175C7-92B3-6FC7-9D4C-20C165C2EAB1}"/>
+              </a:ext>
+            </a:extLst>
+          </p:cNvPr>
+          <p:cNvSpPr>
+            <a:spLocks noGrp="1"/>
+          </p:cNvSpPr>
+          <p:nvPr>
+            <p:ph type="ftr" sz="quarter" idx="14"/>
+          </p:nvPr>
+        </p:nvSpPr>
+        <p:spPr/>
+        <p:txBody>
+          <a:bodyPr/>
+          <a:lstStyle/>
+          <a:p>
+            <a:r>
+              <a:rPr lang="de-DE"/>
+              <a:t>RUSTikales Rust for beginners</a:t>
+            </a:r>
           </a:p>
         </p:txBody>
       </p:sp>
@@ -19667,6 +22097,63 @@
           </a:p>
         </p:txBody>
       </p:sp>
+      <p:sp>
+        <p:nvSpPr>
+          <p:cNvPr id="2" name="Date Placeholder 1">
+            <a:extLst>
+              <a:ext uri="{FF2B5EF4-FFF2-40B4-BE49-F238E27FC236}">
+                <a16:creationId xmlns:a16="http://schemas.microsoft.com/office/drawing/2014/main" id="{10D056FB-75B2-C49B-C850-0640A6A58A70}"/>
+              </a:ext>
+            </a:extLst>
+          </p:cNvPr>
+          <p:cNvSpPr>
+            <a:spLocks noGrp="1"/>
+          </p:cNvSpPr>
+          <p:nvPr>
+            <p:ph type="dt" sz="half" idx="13"/>
+          </p:nvPr>
+        </p:nvSpPr>
+        <p:spPr/>
+        <p:txBody>
+          <a:bodyPr/>
+          <a:lstStyle/>
+          <a:p>
+            <a:fld id="{8B7D4CD1-5C63-49E5-B478-FF0F3DCBA8E4}" type="datetime1">
+              <a:rPr lang="de-DE" smtClean="0"/>
+              <a:t>20.04.2024</a:t>
+            </a:fld>
+            <a:endParaRPr lang="de-DE"/>
+          </a:p>
+        </p:txBody>
+      </p:sp>
+      <p:sp>
+        <p:nvSpPr>
+          <p:cNvPr id="3" name="Footer Placeholder 2">
+            <a:extLst>
+              <a:ext uri="{FF2B5EF4-FFF2-40B4-BE49-F238E27FC236}">
+                <a16:creationId xmlns:a16="http://schemas.microsoft.com/office/drawing/2014/main" id="{87F888B4-715B-3C98-1B5B-988FE65525B3}"/>
+              </a:ext>
+            </a:extLst>
+          </p:cNvPr>
+          <p:cNvSpPr>
+            <a:spLocks noGrp="1"/>
+          </p:cNvSpPr>
+          <p:nvPr>
+            <p:ph type="ftr" sz="quarter" idx="14"/>
+          </p:nvPr>
+        </p:nvSpPr>
+        <p:spPr/>
+        <p:txBody>
+          <a:bodyPr/>
+          <a:lstStyle/>
+          <a:p>
+            <a:r>
+              <a:rPr lang="de-DE"/>
+              <a:t>RUSTikales Rust for beginners</a:t>
+            </a:r>
+          </a:p>
+        </p:txBody>
+      </p:sp>
     </p:spTree>
     <p:extLst>
       <p:ext uri="{BB962C8B-B14F-4D97-AF65-F5344CB8AC3E}">
@@ -19799,6 +22286,63 @@
                 <a:srgbClr val="FFFFFF"/>
               </a:solidFill>
             </a:endParaRPr>
+          </a:p>
+        </p:txBody>
+      </p:sp>
+      <p:sp>
+        <p:nvSpPr>
+          <p:cNvPr id="2" name="Date Placeholder 1">
+            <a:extLst>
+              <a:ext uri="{FF2B5EF4-FFF2-40B4-BE49-F238E27FC236}">
+                <a16:creationId xmlns:a16="http://schemas.microsoft.com/office/drawing/2014/main" id="{4A922245-508B-0BBB-5882-499BF3410D88}"/>
+              </a:ext>
+            </a:extLst>
+          </p:cNvPr>
+          <p:cNvSpPr>
+            <a:spLocks noGrp="1"/>
+          </p:cNvSpPr>
+          <p:nvPr>
+            <p:ph type="dt" sz="half" idx="13"/>
+          </p:nvPr>
+        </p:nvSpPr>
+        <p:spPr/>
+        <p:txBody>
+          <a:bodyPr/>
+          <a:lstStyle/>
+          <a:p>
+            <a:fld id="{BC46B7CA-97CB-4540-93F9-865CB2950490}" type="datetime1">
+              <a:rPr lang="de-DE" smtClean="0"/>
+              <a:t>20.04.2024</a:t>
+            </a:fld>
+            <a:endParaRPr lang="de-DE"/>
+          </a:p>
+        </p:txBody>
+      </p:sp>
+      <p:sp>
+        <p:nvSpPr>
+          <p:cNvPr id="3" name="Footer Placeholder 2">
+            <a:extLst>
+              <a:ext uri="{FF2B5EF4-FFF2-40B4-BE49-F238E27FC236}">
+                <a16:creationId xmlns:a16="http://schemas.microsoft.com/office/drawing/2014/main" id="{2AA48F3F-73B1-1EC8-8454-CACE89098EA1}"/>
+              </a:ext>
+            </a:extLst>
+          </p:cNvPr>
+          <p:cNvSpPr>
+            <a:spLocks noGrp="1"/>
+          </p:cNvSpPr>
+          <p:nvPr>
+            <p:ph type="ftr" sz="quarter" idx="14"/>
+          </p:nvPr>
+        </p:nvSpPr>
+        <p:spPr/>
+        <p:txBody>
+          <a:bodyPr/>
+          <a:lstStyle/>
+          <a:p>
+            <a:r>
+              <a:rPr lang="de-DE"/>
+              <a:t>RUSTikales Rust for beginners</a:t>
+            </a:r>
           </a:p>
         </p:txBody>
       </p:sp>
@@ -20006,6 +22550,63 @@
           </a:p>
         </p:txBody>
       </p:sp>
+      <p:sp>
+        <p:nvSpPr>
+          <p:cNvPr id="3" name="Date Placeholder 2">
+            <a:extLst>
+              <a:ext uri="{FF2B5EF4-FFF2-40B4-BE49-F238E27FC236}">
+                <a16:creationId xmlns:a16="http://schemas.microsoft.com/office/drawing/2014/main" id="{6395D3BA-39B8-BA3A-F4EB-81781527DAF4}"/>
+              </a:ext>
+            </a:extLst>
+          </p:cNvPr>
+          <p:cNvSpPr>
+            <a:spLocks noGrp="1"/>
+          </p:cNvSpPr>
+          <p:nvPr>
+            <p:ph type="dt" sz="half" idx="13"/>
+          </p:nvPr>
+        </p:nvSpPr>
+        <p:spPr/>
+        <p:txBody>
+          <a:bodyPr/>
+          <a:lstStyle/>
+          <a:p>
+            <a:fld id="{21F33CEA-138C-4670-9AE5-7C0829C2D324}" type="datetime1">
+              <a:rPr lang="de-DE" smtClean="0"/>
+              <a:t>20.04.2024</a:t>
+            </a:fld>
+            <a:endParaRPr lang="de-DE"/>
+          </a:p>
+        </p:txBody>
+      </p:sp>
+      <p:sp>
+        <p:nvSpPr>
+          <p:cNvPr id="4" name="Footer Placeholder 3">
+            <a:extLst>
+              <a:ext uri="{FF2B5EF4-FFF2-40B4-BE49-F238E27FC236}">
+                <a16:creationId xmlns:a16="http://schemas.microsoft.com/office/drawing/2014/main" id="{4ABB8E97-FB11-5558-B902-19675BA41FC0}"/>
+              </a:ext>
+            </a:extLst>
+          </p:cNvPr>
+          <p:cNvSpPr>
+            <a:spLocks noGrp="1"/>
+          </p:cNvSpPr>
+          <p:nvPr>
+            <p:ph type="ftr" sz="quarter" idx="14"/>
+          </p:nvPr>
+        </p:nvSpPr>
+        <p:spPr/>
+        <p:txBody>
+          <a:bodyPr/>
+          <a:lstStyle/>
+          <a:p>
+            <a:r>
+              <a:rPr lang="de-DE"/>
+              <a:t>RUSTikales Rust for beginners</a:t>
+            </a:r>
+          </a:p>
+        </p:txBody>
+      </p:sp>
     </p:spTree>
     <p:extLst>
       <p:ext uri="{BB962C8B-B14F-4D97-AF65-F5344CB8AC3E}">
@@ -20109,6 +22710,63 @@
           </a:prstGeom>
         </p:spPr>
       </p:pic>
+      <p:sp>
+        <p:nvSpPr>
+          <p:cNvPr id="2" name="Date Placeholder 1">
+            <a:extLst>
+              <a:ext uri="{FF2B5EF4-FFF2-40B4-BE49-F238E27FC236}">
+                <a16:creationId xmlns:a16="http://schemas.microsoft.com/office/drawing/2014/main" id="{27004E5B-2673-7BA6-ECD3-C221C9693E95}"/>
+              </a:ext>
+            </a:extLst>
+          </p:cNvPr>
+          <p:cNvSpPr>
+            <a:spLocks noGrp="1"/>
+          </p:cNvSpPr>
+          <p:nvPr>
+            <p:ph type="dt" sz="half" idx="13"/>
+          </p:nvPr>
+        </p:nvSpPr>
+        <p:spPr/>
+        <p:txBody>
+          <a:bodyPr/>
+          <a:lstStyle/>
+          <a:p>
+            <a:fld id="{C7D9845D-BD6B-4B0C-844E-6A73F3D10A34}" type="datetime1">
+              <a:rPr lang="de-DE" smtClean="0"/>
+              <a:t>20.04.2024</a:t>
+            </a:fld>
+            <a:endParaRPr lang="de-DE"/>
+          </a:p>
+        </p:txBody>
+      </p:sp>
+      <p:sp>
+        <p:nvSpPr>
+          <p:cNvPr id="3" name="Footer Placeholder 2">
+            <a:extLst>
+              <a:ext uri="{FF2B5EF4-FFF2-40B4-BE49-F238E27FC236}">
+                <a16:creationId xmlns:a16="http://schemas.microsoft.com/office/drawing/2014/main" id="{FEE3956F-323B-555C-D05F-9B314106586D}"/>
+              </a:ext>
+            </a:extLst>
+          </p:cNvPr>
+          <p:cNvSpPr>
+            <a:spLocks noGrp="1"/>
+          </p:cNvSpPr>
+          <p:nvPr>
+            <p:ph type="ftr" sz="quarter" idx="14"/>
+          </p:nvPr>
+        </p:nvSpPr>
+        <p:spPr/>
+        <p:txBody>
+          <a:bodyPr/>
+          <a:lstStyle/>
+          <a:p>
+            <a:r>
+              <a:rPr lang="de-DE"/>
+              <a:t>RUSTikales Rust for beginners</a:t>
+            </a:r>
+          </a:p>
+        </p:txBody>
+      </p:sp>
     </p:spTree>
     <p:extLst>
       <p:ext uri="{BB962C8B-B14F-4D97-AF65-F5344CB8AC3E}">
@@ -20303,6 +22961,63 @@
           </a:p>
         </p:txBody>
       </p:sp>
+      <p:sp>
+        <p:nvSpPr>
+          <p:cNvPr id="2" name="Date Placeholder 1">
+            <a:extLst>
+              <a:ext uri="{FF2B5EF4-FFF2-40B4-BE49-F238E27FC236}">
+                <a16:creationId xmlns:a16="http://schemas.microsoft.com/office/drawing/2014/main" id="{E03E9BCF-9EFF-E10C-0219-1392FD6E9401}"/>
+              </a:ext>
+            </a:extLst>
+          </p:cNvPr>
+          <p:cNvSpPr>
+            <a:spLocks noGrp="1"/>
+          </p:cNvSpPr>
+          <p:nvPr>
+            <p:ph type="dt" sz="half" idx="13"/>
+          </p:nvPr>
+        </p:nvSpPr>
+        <p:spPr/>
+        <p:txBody>
+          <a:bodyPr/>
+          <a:lstStyle/>
+          <a:p>
+            <a:fld id="{D3E81227-2D44-4C83-8FCB-13E2C8ABE9F4}" type="datetime1">
+              <a:rPr lang="de-DE" smtClean="0"/>
+              <a:t>20.04.2024</a:t>
+            </a:fld>
+            <a:endParaRPr lang="de-DE"/>
+          </a:p>
+        </p:txBody>
+      </p:sp>
+      <p:sp>
+        <p:nvSpPr>
+          <p:cNvPr id="3" name="Footer Placeholder 2">
+            <a:extLst>
+              <a:ext uri="{FF2B5EF4-FFF2-40B4-BE49-F238E27FC236}">
+                <a16:creationId xmlns:a16="http://schemas.microsoft.com/office/drawing/2014/main" id="{7126C064-74F9-A3AC-610D-AF45A29DA63F}"/>
+              </a:ext>
+            </a:extLst>
+          </p:cNvPr>
+          <p:cNvSpPr>
+            <a:spLocks noGrp="1"/>
+          </p:cNvSpPr>
+          <p:nvPr>
+            <p:ph type="ftr" sz="quarter" idx="14"/>
+          </p:nvPr>
+        </p:nvSpPr>
+        <p:spPr/>
+        <p:txBody>
+          <a:bodyPr/>
+          <a:lstStyle/>
+          <a:p>
+            <a:r>
+              <a:rPr lang="de-DE"/>
+              <a:t>RUSTikales Rust for beginners</a:t>
+            </a:r>
+          </a:p>
+        </p:txBody>
+      </p:sp>
     </p:spTree>
     <p:extLst>
       <p:ext uri="{BB962C8B-B14F-4D97-AF65-F5344CB8AC3E}">
@@ -20497,6 +23212,63 @@
           </a:p>
         </p:txBody>
       </p:sp>
+      <p:sp>
+        <p:nvSpPr>
+          <p:cNvPr id="2" name="Date Placeholder 1">
+            <a:extLst>
+              <a:ext uri="{FF2B5EF4-FFF2-40B4-BE49-F238E27FC236}">
+                <a16:creationId xmlns:a16="http://schemas.microsoft.com/office/drawing/2014/main" id="{DF2D87C7-482E-75FB-EB98-EC257BB87ED3}"/>
+              </a:ext>
+            </a:extLst>
+          </p:cNvPr>
+          <p:cNvSpPr>
+            <a:spLocks noGrp="1"/>
+          </p:cNvSpPr>
+          <p:nvPr>
+            <p:ph type="dt" sz="half" idx="13"/>
+          </p:nvPr>
+        </p:nvSpPr>
+        <p:spPr/>
+        <p:txBody>
+          <a:bodyPr/>
+          <a:lstStyle/>
+          <a:p>
+            <a:fld id="{BF9ADC33-577B-46F1-B279-6BC114531B54}" type="datetime1">
+              <a:rPr lang="de-DE" smtClean="0"/>
+              <a:t>20.04.2024</a:t>
+            </a:fld>
+            <a:endParaRPr lang="de-DE"/>
+          </a:p>
+        </p:txBody>
+      </p:sp>
+      <p:sp>
+        <p:nvSpPr>
+          <p:cNvPr id="3" name="Footer Placeholder 2">
+            <a:extLst>
+              <a:ext uri="{FF2B5EF4-FFF2-40B4-BE49-F238E27FC236}">
+                <a16:creationId xmlns:a16="http://schemas.microsoft.com/office/drawing/2014/main" id="{62F8F13B-CDE2-2066-1A23-A02AB5297AE7}"/>
+              </a:ext>
+            </a:extLst>
+          </p:cNvPr>
+          <p:cNvSpPr>
+            <a:spLocks noGrp="1"/>
+          </p:cNvSpPr>
+          <p:nvPr>
+            <p:ph type="ftr" sz="quarter" idx="14"/>
+          </p:nvPr>
+        </p:nvSpPr>
+        <p:spPr/>
+        <p:txBody>
+          <a:bodyPr/>
+          <a:lstStyle/>
+          <a:p>
+            <a:r>
+              <a:rPr lang="de-DE"/>
+              <a:t>RUSTikales Rust for beginners</a:t>
+            </a:r>
+          </a:p>
+        </p:txBody>
+      </p:sp>
     </p:spTree>
     <p:extLst>
       <p:ext uri="{BB962C8B-B14F-4D97-AF65-F5344CB8AC3E}">
@@ -20691,6 +23463,63 @@
           </a:p>
         </p:txBody>
       </p:sp>
+      <p:sp>
+        <p:nvSpPr>
+          <p:cNvPr id="2" name="Date Placeholder 1">
+            <a:extLst>
+              <a:ext uri="{FF2B5EF4-FFF2-40B4-BE49-F238E27FC236}">
+                <a16:creationId xmlns:a16="http://schemas.microsoft.com/office/drawing/2014/main" id="{581B75ED-2E6F-4ADB-9357-12E08112DA57}"/>
+              </a:ext>
+            </a:extLst>
+          </p:cNvPr>
+          <p:cNvSpPr>
+            <a:spLocks noGrp="1"/>
+          </p:cNvSpPr>
+          <p:nvPr>
+            <p:ph type="dt" sz="half" idx="13"/>
+          </p:nvPr>
+        </p:nvSpPr>
+        <p:spPr/>
+        <p:txBody>
+          <a:bodyPr/>
+          <a:lstStyle/>
+          <a:p>
+            <a:fld id="{5BA1C7C8-FE29-4E61-B3E0-7ACFD6C70540}" type="datetime1">
+              <a:rPr lang="de-DE" smtClean="0"/>
+              <a:t>20.04.2024</a:t>
+            </a:fld>
+            <a:endParaRPr lang="de-DE"/>
+          </a:p>
+        </p:txBody>
+      </p:sp>
+      <p:sp>
+        <p:nvSpPr>
+          <p:cNvPr id="4" name="Footer Placeholder 3">
+            <a:extLst>
+              <a:ext uri="{FF2B5EF4-FFF2-40B4-BE49-F238E27FC236}">
+                <a16:creationId xmlns:a16="http://schemas.microsoft.com/office/drawing/2014/main" id="{36285B93-F73D-6EB1-C625-9C5895EAF138}"/>
+              </a:ext>
+            </a:extLst>
+          </p:cNvPr>
+          <p:cNvSpPr>
+            <a:spLocks noGrp="1"/>
+          </p:cNvSpPr>
+          <p:nvPr>
+            <p:ph type="ftr" sz="quarter" idx="14"/>
+          </p:nvPr>
+        </p:nvSpPr>
+        <p:spPr/>
+        <p:txBody>
+          <a:bodyPr/>
+          <a:lstStyle/>
+          <a:p>
+            <a:r>
+              <a:rPr lang="de-DE"/>
+              <a:t>RUSTikales Rust for beginners</a:t>
+            </a:r>
+          </a:p>
+        </p:txBody>
+      </p:sp>
     </p:spTree>
     <p:extLst>
       <p:ext uri="{BB962C8B-B14F-4D97-AF65-F5344CB8AC3E}">
@@ -20807,6 +23636,63 @@
           </a:p>
         </p:txBody>
       </p:sp>
+      <p:sp>
+        <p:nvSpPr>
+          <p:cNvPr id="2" name="Date Placeholder 1">
+            <a:extLst>
+              <a:ext uri="{FF2B5EF4-FFF2-40B4-BE49-F238E27FC236}">
+                <a16:creationId xmlns:a16="http://schemas.microsoft.com/office/drawing/2014/main" id="{27C81439-89AD-430A-A67F-AA526E058E1E}"/>
+              </a:ext>
+            </a:extLst>
+          </p:cNvPr>
+          <p:cNvSpPr>
+            <a:spLocks noGrp="1"/>
+          </p:cNvSpPr>
+          <p:nvPr>
+            <p:ph type="dt" sz="half" idx="13"/>
+          </p:nvPr>
+        </p:nvSpPr>
+        <p:spPr/>
+        <p:txBody>
+          <a:bodyPr/>
+          <a:lstStyle/>
+          <a:p>
+            <a:fld id="{2526DE28-71FD-4AC8-844E-45C82BB19711}" type="datetime1">
+              <a:rPr lang="de-DE" smtClean="0"/>
+              <a:t>20.04.2024</a:t>
+            </a:fld>
+            <a:endParaRPr lang="de-DE"/>
+          </a:p>
+        </p:txBody>
+      </p:sp>
+      <p:sp>
+        <p:nvSpPr>
+          <p:cNvPr id="3" name="Footer Placeholder 2">
+            <a:extLst>
+              <a:ext uri="{FF2B5EF4-FFF2-40B4-BE49-F238E27FC236}">
+                <a16:creationId xmlns:a16="http://schemas.microsoft.com/office/drawing/2014/main" id="{1CEDD601-8130-13E6-69E9-C3AB185C72AC}"/>
+              </a:ext>
+            </a:extLst>
+          </p:cNvPr>
+          <p:cNvSpPr>
+            <a:spLocks noGrp="1"/>
+          </p:cNvSpPr>
+          <p:nvPr>
+            <p:ph type="ftr" sz="quarter" idx="14"/>
+          </p:nvPr>
+        </p:nvSpPr>
+        <p:spPr/>
+        <p:txBody>
+          <a:bodyPr/>
+          <a:lstStyle/>
+          <a:p>
+            <a:r>
+              <a:rPr lang="de-DE"/>
+              <a:t>RUSTikales Rust for beginners</a:t>
+            </a:r>
+          </a:p>
+        </p:txBody>
+      </p:sp>
     </p:spTree>
     <p:extLst>
       <p:ext uri="{BB962C8B-B14F-4D97-AF65-F5344CB8AC3E}">
@@ -21118,6 +24004,63 @@
           </a:p>
         </p:txBody>
       </p:sp>
+      <p:sp>
+        <p:nvSpPr>
+          <p:cNvPr id="2" name="Date Placeholder 1">
+            <a:extLst>
+              <a:ext uri="{FF2B5EF4-FFF2-40B4-BE49-F238E27FC236}">
+                <a16:creationId xmlns:a16="http://schemas.microsoft.com/office/drawing/2014/main" id="{ABE6A99C-7EA8-E60E-BA9D-E1530B733BA0}"/>
+              </a:ext>
+            </a:extLst>
+          </p:cNvPr>
+          <p:cNvSpPr>
+            <a:spLocks noGrp="1"/>
+          </p:cNvSpPr>
+          <p:nvPr>
+            <p:ph type="dt" sz="half" idx="13"/>
+          </p:nvPr>
+        </p:nvSpPr>
+        <p:spPr/>
+        <p:txBody>
+          <a:bodyPr/>
+          <a:lstStyle/>
+          <a:p>
+            <a:fld id="{D79D6B11-DBA2-48D4-858F-3BC2825C41F9}" type="datetime1">
+              <a:rPr lang="de-DE" smtClean="0"/>
+              <a:t>20.04.2024</a:t>
+            </a:fld>
+            <a:endParaRPr lang="de-DE"/>
+          </a:p>
+        </p:txBody>
+      </p:sp>
+      <p:sp>
+        <p:nvSpPr>
+          <p:cNvPr id="3" name="Footer Placeholder 2">
+            <a:extLst>
+              <a:ext uri="{FF2B5EF4-FFF2-40B4-BE49-F238E27FC236}">
+                <a16:creationId xmlns:a16="http://schemas.microsoft.com/office/drawing/2014/main" id="{5F9CA5BC-A277-43E0-44D2-DF96F3060097}"/>
+              </a:ext>
+            </a:extLst>
+          </p:cNvPr>
+          <p:cNvSpPr>
+            <a:spLocks noGrp="1"/>
+          </p:cNvSpPr>
+          <p:nvPr>
+            <p:ph type="ftr" sz="quarter" idx="14"/>
+          </p:nvPr>
+        </p:nvSpPr>
+        <p:spPr/>
+        <p:txBody>
+          <a:bodyPr/>
+          <a:lstStyle/>
+          <a:p>
+            <a:r>
+              <a:rPr lang="de-DE"/>
+              <a:t>RUSTikales Rust for beginners</a:t>
+            </a:r>
+          </a:p>
+        </p:txBody>
+      </p:sp>
     </p:spTree>
     <p:extLst>
       <p:ext uri="{BB962C8B-B14F-4D97-AF65-F5344CB8AC3E}">
@@ -21288,6 +24231,63 @@
           </a:p>
         </p:txBody>
       </p:sp>
+      <p:sp>
+        <p:nvSpPr>
+          <p:cNvPr id="2" name="Date Placeholder 1">
+            <a:extLst>
+              <a:ext uri="{FF2B5EF4-FFF2-40B4-BE49-F238E27FC236}">
+                <a16:creationId xmlns:a16="http://schemas.microsoft.com/office/drawing/2014/main" id="{F8CA9D8F-8140-A0B3-DB18-603F5F401C31}"/>
+              </a:ext>
+            </a:extLst>
+          </p:cNvPr>
+          <p:cNvSpPr>
+            <a:spLocks noGrp="1"/>
+          </p:cNvSpPr>
+          <p:nvPr>
+            <p:ph type="dt" sz="half" idx="13"/>
+          </p:nvPr>
+        </p:nvSpPr>
+        <p:spPr/>
+        <p:txBody>
+          <a:bodyPr/>
+          <a:lstStyle/>
+          <a:p>
+            <a:fld id="{8593BB31-BCB2-4C97-B4DC-5151D97E9326}" type="datetime1">
+              <a:rPr lang="de-DE" smtClean="0"/>
+              <a:t>20.04.2024</a:t>
+            </a:fld>
+            <a:endParaRPr lang="de-DE"/>
+          </a:p>
+        </p:txBody>
+      </p:sp>
+      <p:sp>
+        <p:nvSpPr>
+          <p:cNvPr id="3" name="Footer Placeholder 2">
+            <a:extLst>
+              <a:ext uri="{FF2B5EF4-FFF2-40B4-BE49-F238E27FC236}">
+                <a16:creationId xmlns:a16="http://schemas.microsoft.com/office/drawing/2014/main" id="{2BA002BD-EE8F-993B-B462-58BA967E285F}"/>
+              </a:ext>
+            </a:extLst>
+          </p:cNvPr>
+          <p:cNvSpPr>
+            <a:spLocks noGrp="1"/>
+          </p:cNvSpPr>
+          <p:nvPr>
+            <p:ph type="ftr" sz="quarter" idx="14"/>
+          </p:nvPr>
+        </p:nvSpPr>
+        <p:spPr/>
+        <p:txBody>
+          <a:bodyPr/>
+          <a:lstStyle/>
+          <a:p>
+            <a:r>
+              <a:rPr lang="de-DE"/>
+              <a:t>RUSTikales Rust for beginners</a:t>
+            </a:r>
+          </a:p>
+        </p:txBody>
+      </p:sp>
     </p:spTree>
     <p:extLst>
       <p:ext uri="{BB962C8B-B14F-4D97-AF65-F5344CB8AC3E}">
@@ -21556,6 +24556,63 @@
           </a:p>
         </p:txBody>
       </p:sp>
+      <p:sp>
+        <p:nvSpPr>
+          <p:cNvPr id="2" name="Date Placeholder 1">
+            <a:extLst>
+              <a:ext uri="{FF2B5EF4-FFF2-40B4-BE49-F238E27FC236}">
+                <a16:creationId xmlns:a16="http://schemas.microsoft.com/office/drawing/2014/main" id="{A0B50089-7D5C-D7F8-6C17-6548775C8130}"/>
+              </a:ext>
+            </a:extLst>
+          </p:cNvPr>
+          <p:cNvSpPr>
+            <a:spLocks noGrp="1"/>
+          </p:cNvSpPr>
+          <p:nvPr>
+            <p:ph type="dt" sz="half" idx="13"/>
+          </p:nvPr>
+        </p:nvSpPr>
+        <p:spPr/>
+        <p:txBody>
+          <a:bodyPr/>
+          <a:lstStyle/>
+          <a:p>
+            <a:fld id="{7B77E975-F728-494A-A034-CE766CC86A96}" type="datetime1">
+              <a:rPr lang="de-DE" smtClean="0"/>
+              <a:t>20.04.2024</a:t>
+            </a:fld>
+            <a:endParaRPr lang="de-DE"/>
+          </a:p>
+        </p:txBody>
+      </p:sp>
+      <p:sp>
+        <p:nvSpPr>
+          <p:cNvPr id="3" name="Footer Placeholder 2">
+            <a:extLst>
+              <a:ext uri="{FF2B5EF4-FFF2-40B4-BE49-F238E27FC236}">
+                <a16:creationId xmlns:a16="http://schemas.microsoft.com/office/drawing/2014/main" id="{FB3233B2-EA6E-2195-096C-F3AA3CE86B9C}"/>
+              </a:ext>
+            </a:extLst>
+          </p:cNvPr>
+          <p:cNvSpPr>
+            <a:spLocks noGrp="1"/>
+          </p:cNvSpPr>
+          <p:nvPr>
+            <p:ph type="ftr" sz="quarter" idx="14"/>
+          </p:nvPr>
+        </p:nvSpPr>
+        <p:spPr/>
+        <p:txBody>
+          <a:bodyPr/>
+          <a:lstStyle/>
+          <a:p>
+            <a:r>
+              <a:rPr lang="de-DE"/>
+              <a:t>RUSTikales Rust for beginners</a:t>
+            </a:r>
+          </a:p>
+        </p:txBody>
+      </p:sp>
     </p:spTree>
     <p:extLst>
       <p:ext uri="{BB962C8B-B14F-4D97-AF65-F5344CB8AC3E}">
@@ -21772,6 +24829,63 @@
           </a:p>
         </p:txBody>
       </p:sp>
+      <p:sp>
+        <p:nvSpPr>
+          <p:cNvPr id="2" name="Date Placeholder 1">
+            <a:extLst>
+              <a:ext uri="{FF2B5EF4-FFF2-40B4-BE49-F238E27FC236}">
+                <a16:creationId xmlns:a16="http://schemas.microsoft.com/office/drawing/2014/main" id="{2365B89C-0CD4-FB94-9A0B-6008CF97785B}"/>
+              </a:ext>
+            </a:extLst>
+          </p:cNvPr>
+          <p:cNvSpPr>
+            <a:spLocks noGrp="1"/>
+          </p:cNvSpPr>
+          <p:nvPr>
+            <p:ph type="dt" sz="half" idx="13"/>
+          </p:nvPr>
+        </p:nvSpPr>
+        <p:spPr/>
+        <p:txBody>
+          <a:bodyPr/>
+          <a:lstStyle/>
+          <a:p>
+            <a:fld id="{B40BF8A7-6CE6-40C6-8B64-E52F001B564A}" type="datetime1">
+              <a:rPr lang="de-DE" smtClean="0"/>
+              <a:t>20.04.2024</a:t>
+            </a:fld>
+            <a:endParaRPr lang="de-DE"/>
+          </a:p>
+        </p:txBody>
+      </p:sp>
+      <p:sp>
+        <p:nvSpPr>
+          <p:cNvPr id="3" name="Footer Placeholder 2">
+            <a:extLst>
+              <a:ext uri="{FF2B5EF4-FFF2-40B4-BE49-F238E27FC236}">
+                <a16:creationId xmlns:a16="http://schemas.microsoft.com/office/drawing/2014/main" id="{D8B7C215-5067-6753-1E6F-8C503D20145D}"/>
+              </a:ext>
+            </a:extLst>
+          </p:cNvPr>
+          <p:cNvSpPr>
+            <a:spLocks noGrp="1"/>
+          </p:cNvSpPr>
+          <p:nvPr>
+            <p:ph type="ftr" sz="quarter" idx="14"/>
+          </p:nvPr>
+        </p:nvSpPr>
+        <p:spPr/>
+        <p:txBody>
+          <a:bodyPr/>
+          <a:lstStyle/>
+          <a:p>
+            <a:r>
+              <a:rPr lang="de-DE"/>
+              <a:t>RUSTikales Rust for beginners</a:t>
+            </a:r>
+          </a:p>
+        </p:txBody>
+      </p:sp>
     </p:spTree>
     <p:extLst>
       <p:ext uri="{BB962C8B-B14F-4D97-AF65-F5344CB8AC3E}">
@@ -21927,6 +25041,63 @@
           </a:p>
         </p:txBody>
       </p:sp>
+      <p:sp>
+        <p:nvSpPr>
+          <p:cNvPr id="2" name="Date Placeholder 1">
+            <a:extLst>
+              <a:ext uri="{FF2B5EF4-FFF2-40B4-BE49-F238E27FC236}">
+                <a16:creationId xmlns:a16="http://schemas.microsoft.com/office/drawing/2014/main" id="{84C34F0E-33F9-58B9-92C7-455A13DA0D4B}"/>
+              </a:ext>
+            </a:extLst>
+          </p:cNvPr>
+          <p:cNvSpPr>
+            <a:spLocks noGrp="1"/>
+          </p:cNvSpPr>
+          <p:nvPr>
+            <p:ph type="dt" sz="half" idx="13"/>
+          </p:nvPr>
+        </p:nvSpPr>
+        <p:spPr/>
+        <p:txBody>
+          <a:bodyPr/>
+          <a:lstStyle/>
+          <a:p>
+            <a:fld id="{32574FC7-CA5C-4E4F-AC20-53562002A5AE}" type="datetime1">
+              <a:rPr lang="de-DE" smtClean="0"/>
+              <a:t>20.04.2024</a:t>
+            </a:fld>
+            <a:endParaRPr lang="de-DE"/>
+          </a:p>
+        </p:txBody>
+      </p:sp>
+      <p:sp>
+        <p:nvSpPr>
+          <p:cNvPr id="3" name="Footer Placeholder 2">
+            <a:extLst>
+              <a:ext uri="{FF2B5EF4-FFF2-40B4-BE49-F238E27FC236}">
+                <a16:creationId xmlns:a16="http://schemas.microsoft.com/office/drawing/2014/main" id="{E57156CD-51F0-0CC9-6717-9FDD43360740}"/>
+              </a:ext>
+            </a:extLst>
+          </p:cNvPr>
+          <p:cNvSpPr>
+            <a:spLocks noGrp="1"/>
+          </p:cNvSpPr>
+          <p:nvPr>
+            <p:ph type="ftr" sz="quarter" idx="14"/>
+          </p:nvPr>
+        </p:nvSpPr>
+        <p:spPr/>
+        <p:txBody>
+          <a:bodyPr/>
+          <a:lstStyle/>
+          <a:p>
+            <a:r>
+              <a:rPr lang="de-DE"/>
+              <a:t>RUSTikales Rust for beginners</a:t>
+            </a:r>
+          </a:p>
+        </p:txBody>
+      </p:sp>
     </p:spTree>
     <p:extLst>
       <p:ext uri="{BB962C8B-B14F-4D97-AF65-F5344CB8AC3E}">
@@ -22180,6 +25351,63 @@
           </a:p>
         </p:txBody>
       </p:sp>
+      <p:sp>
+        <p:nvSpPr>
+          <p:cNvPr id="2" name="Date Placeholder 1">
+            <a:extLst>
+              <a:ext uri="{FF2B5EF4-FFF2-40B4-BE49-F238E27FC236}">
+                <a16:creationId xmlns:a16="http://schemas.microsoft.com/office/drawing/2014/main" id="{98FFAF0E-D0A1-B5E1-5C4E-1F0D1D546AB3}"/>
+              </a:ext>
+            </a:extLst>
+          </p:cNvPr>
+          <p:cNvSpPr>
+            <a:spLocks noGrp="1"/>
+          </p:cNvSpPr>
+          <p:nvPr>
+            <p:ph type="dt" sz="half" idx="13"/>
+          </p:nvPr>
+        </p:nvSpPr>
+        <p:spPr/>
+        <p:txBody>
+          <a:bodyPr/>
+          <a:lstStyle/>
+          <a:p>
+            <a:fld id="{2F361706-57CF-4B18-9F86-CEEA6EF48D43}" type="datetime1">
+              <a:rPr lang="de-DE" smtClean="0"/>
+              <a:t>20.04.2024</a:t>
+            </a:fld>
+            <a:endParaRPr lang="de-DE"/>
+          </a:p>
+        </p:txBody>
+      </p:sp>
+      <p:sp>
+        <p:nvSpPr>
+          <p:cNvPr id="3" name="Footer Placeholder 2">
+            <a:extLst>
+              <a:ext uri="{FF2B5EF4-FFF2-40B4-BE49-F238E27FC236}">
+                <a16:creationId xmlns:a16="http://schemas.microsoft.com/office/drawing/2014/main" id="{B7303C22-5ADB-9CEF-A392-5755E547D098}"/>
+              </a:ext>
+            </a:extLst>
+          </p:cNvPr>
+          <p:cNvSpPr>
+            <a:spLocks noGrp="1"/>
+          </p:cNvSpPr>
+          <p:nvPr>
+            <p:ph type="ftr" sz="quarter" idx="14"/>
+          </p:nvPr>
+        </p:nvSpPr>
+        <p:spPr/>
+        <p:txBody>
+          <a:bodyPr/>
+          <a:lstStyle/>
+          <a:p>
+            <a:r>
+              <a:rPr lang="de-DE"/>
+              <a:t>RUSTikales Rust for beginners</a:t>
+            </a:r>
+          </a:p>
+        </p:txBody>
+      </p:sp>
     </p:spTree>
     <p:extLst>
       <p:ext uri="{BB962C8B-B14F-4D97-AF65-F5344CB8AC3E}">
@@ -22372,6 +25600,63 @@
           </a:p>
         </p:txBody>
       </p:sp>
+      <p:sp>
+        <p:nvSpPr>
+          <p:cNvPr id="2" name="Date Placeholder 1">
+            <a:extLst>
+              <a:ext uri="{FF2B5EF4-FFF2-40B4-BE49-F238E27FC236}">
+                <a16:creationId xmlns:a16="http://schemas.microsoft.com/office/drawing/2014/main" id="{71CCC623-B1B1-490D-101D-5722873F881B}"/>
+              </a:ext>
+            </a:extLst>
+          </p:cNvPr>
+          <p:cNvSpPr>
+            <a:spLocks noGrp="1"/>
+          </p:cNvSpPr>
+          <p:nvPr>
+            <p:ph type="dt" sz="half" idx="13"/>
+          </p:nvPr>
+        </p:nvSpPr>
+        <p:spPr/>
+        <p:txBody>
+          <a:bodyPr/>
+          <a:lstStyle/>
+          <a:p>
+            <a:fld id="{2C34D488-1792-497F-9BFB-D47710E05E94}" type="datetime1">
+              <a:rPr lang="de-DE" smtClean="0"/>
+              <a:t>20.04.2024</a:t>
+            </a:fld>
+            <a:endParaRPr lang="de-DE"/>
+          </a:p>
+        </p:txBody>
+      </p:sp>
+      <p:sp>
+        <p:nvSpPr>
+          <p:cNvPr id="3" name="Footer Placeholder 2">
+            <a:extLst>
+              <a:ext uri="{FF2B5EF4-FFF2-40B4-BE49-F238E27FC236}">
+                <a16:creationId xmlns:a16="http://schemas.microsoft.com/office/drawing/2014/main" id="{FF9DEBE0-B894-6364-8194-9A20764E95F5}"/>
+              </a:ext>
+            </a:extLst>
+          </p:cNvPr>
+          <p:cNvSpPr>
+            <a:spLocks noGrp="1"/>
+          </p:cNvSpPr>
+          <p:nvPr>
+            <p:ph type="ftr" sz="quarter" idx="14"/>
+          </p:nvPr>
+        </p:nvSpPr>
+        <p:spPr/>
+        <p:txBody>
+          <a:bodyPr/>
+          <a:lstStyle/>
+          <a:p>
+            <a:r>
+              <a:rPr lang="de-DE"/>
+              <a:t>RUSTikales Rust for beginners</a:t>
+            </a:r>
+          </a:p>
+        </p:txBody>
+      </p:sp>
     </p:spTree>
     <p:extLst>
       <p:ext uri="{BB962C8B-B14F-4D97-AF65-F5344CB8AC3E}">
@@ -22547,6 +25832,63 @@
           </a:p>
         </p:txBody>
       </p:sp>
+      <p:sp>
+        <p:nvSpPr>
+          <p:cNvPr id="2" name="Date Placeholder 1">
+            <a:extLst>
+              <a:ext uri="{FF2B5EF4-FFF2-40B4-BE49-F238E27FC236}">
+                <a16:creationId xmlns:a16="http://schemas.microsoft.com/office/drawing/2014/main" id="{43CA6413-9AD6-0CEF-562B-3A121D952736}"/>
+              </a:ext>
+            </a:extLst>
+          </p:cNvPr>
+          <p:cNvSpPr>
+            <a:spLocks noGrp="1"/>
+          </p:cNvSpPr>
+          <p:nvPr>
+            <p:ph type="dt" sz="half" idx="13"/>
+          </p:nvPr>
+        </p:nvSpPr>
+        <p:spPr/>
+        <p:txBody>
+          <a:bodyPr/>
+          <a:lstStyle/>
+          <a:p>
+            <a:fld id="{1183890F-2068-49CE-BFE3-C6F56E7B5DC2}" type="datetime1">
+              <a:rPr lang="de-DE" smtClean="0"/>
+              <a:t>20.04.2024</a:t>
+            </a:fld>
+            <a:endParaRPr lang="de-DE"/>
+          </a:p>
+        </p:txBody>
+      </p:sp>
+      <p:sp>
+        <p:nvSpPr>
+          <p:cNvPr id="3" name="Footer Placeholder 2">
+            <a:extLst>
+              <a:ext uri="{FF2B5EF4-FFF2-40B4-BE49-F238E27FC236}">
+                <a16:creationId xmlns:a16="http://schemas.microsoft.com/office/drawing/2014/main" id="{65F9B25B-9375-2286-16BD-21296EB04291}"/>
+              </a:ext>
+            </a:extLst>
+          </p:cNvPr>
+          <p:cNvSpPr>
+            <a:spLocks noGrp="1"/>
+          </p:cNvSpPr>
+          <p:nvPr>
+            <p:ph type="ftr" sz="quarter" idx="14"/>
+          </p:nvPr>
+        </p:nvSpPr>
+        <p:spPr/>
+        <p:txBody>
+          <a:bodyPr/>
+          <a:lstStyle/>
+          <a:p>
+            <a:r>
+              <a:rPr lang="de-DE"/>
+              <a:t>RUSTikales Rust for beginners</a:t>
+            </a:r>
+          </a:p>
+        </p:txBody>
+      </p:sp>
     </p:spTree>
     <p:extLst>
       <p:ext uri="{BB962C8B-B14F-4D97-AF65-F5344CB8AC3E}">
@@ -22665,6 +26007,63 @@
           </a:p>
         </p:txBody>
       </p:sp>
+      <p:sp>
+        <p:nvSpPr>
+          <p:cNvPr id="2" name="Date Placeholder 1">
+            <a:extLst>
+              <a:ext uri="{FF2B5EF4-FFF2-40B4-BE49-F238E27FC236}">
+                <a16:creationId xmlns:a16="http://schemas.microsoft.com/office/drawing/2014/main" id="{6D4B634C-1046-62F4-23B4-C981CDEBEEA8}"/>
+              </a:ext>
+            </a:extLst>
+          </p:cNvPr>
+          <p:cNvSpPr>
+            <a:spLocks noGrp="1"/>
+          </p:cNvSpPr>
+          <p:nvPr>
+            <p:ph type="dt" sz="half" idx="13"/>
+          </p:nvPr>
+        </p:nvSpPr>
+        <p:spPr/>
+        <p:txBody>
+          <a:bodyPr/>
+          <a:lstStyle/>
+          <a:p>
+            <a:fld id="{B66AB8AC-1D3F-48A5-8F80-E6F4EC52981A}" type="datetime1">
+              <a:rPr lang="de-DE" smtClean="0"/>
+              <a:t>20.04.2024</a:t>
+            </a:fld>
+            <a:endParaRPr lang="de-DE"/>
+          </a:p>
+        </p:txBody>
+      </p:sp>
+      <p:sp>
+        <p:nvSpPr>
+          <p:cNvPr id="3" name="Footer Placeholder 2">
+            <a:extLst>
+              <a:ext uri="{FF2B5EF4-FFF2-40B4-BE49-F238E27FC236}">
+                <a16:creationId xmlns:a16="http://schemas.microsoft.com/office/drawing/2014/main" id="{F3B322EB-A84E-D286-E7A1-C524FFD9F5D0}"/>
+              </a:ext>
+            </a:extLst>
+          </p:cNvPr>
+          <p:cNvSpPr>
+            <a:spLocks noGrp="1"/>
+          </p:cNvSpPr>
+          <p:nvPr>
+            <p:ph type="ftr" sz="quarter" idx="14"/>
+          </p:nvPr>
+        </p:nvSpPr>
+        <p:spPr/>
+        <p:txBody>
+          <a:bodyPr/>
+          <a:lstStyle/>
+          <a:p>
+            <a:r>
+              <a:rPr lang="de-DE"/>
+              <a:t>RUSTikales Rust for beginners</a:t>
+            </a:r>
+          </a:p>
+        </p:txBody>
+      </p:sp>
     </p:spTree>
     <p:extLst>
       <p:ext uri="{BB962C8B-B14F-4D97-AF65-F5344CB8AC3E}">
@@ -22801,6 +26200,63 @@
           </a:p>
         </p:txBody>
       </p:sp>
+      <p:sp>
+        <p:nvSpPr>
+          <p:cNvPr id="2" name="Date Placeholder 1">
+            <a:extLst>
+              <a:ext uri="{FF2B5EF4-FFF2-40B4-BE49-F238E27FC236}">
+                <a16:creationId xmlns:a16="http://schemas.microsoft.com/office/drawing/2014/main" id="{E51CDA48-8438-2C22-25E6-6560EFF10AE0}"/>
+              </a:ext>
+            </a:extLst>
+          </p:cNvPr>
+          <p:cNvSpPr>
+            <a:spLocks noGrp="1"/>
+          </p:cNvSpPr>
+          <p:nvPr>
+            <p:ph type="dt" sz="half" idx="13"/>
+          </p:nvPr>
+        </p:nvSpPr>
+        <p:spPr/>
+        <p:txBody>
+          <a:bodyPr/>
+          <a:lstStyle/>
+          <a:p>
+            <a:fld id="{B0CF521A-1FFC-4D8C-91BB-814F2653D8E4}" type="datetime1">
+              <a:rPr lang="de-DE" smtClean="0"/>
+              <a:t>20.04.2024</a:t>
+            </a:fld>
+            <a:endParaRPr lang="de-DE"/>
+          </a:p>
+        </p:txBody>
+      </p:sp>
+      <p:sp>
+        <p:nvSpPr>
+          <p:cNvPr id="3" name="Footer Placeholder 2">
+            <a:extLst>
+              <a:ext uri="{FF2B5EF4-FFF2-40B4-BE49-F238E27FC236}">
+                <a16:creationId xmlns:a16="http://schemas.microsoft.com/office/drawing/2014/main" id="{A949AC38-C136-17ED-CF68-FAB66EE7C943}"/>
+              </a:ext>
+            </a:extLst>
+          </p:cNvPr>
+          <p:cNvSpPr>
+            <a:spLocks noGrp="1"/>
+          </p:cNvSpPr>
+          <p:nvPr>
+            <p:ph type="ftr" sz="quarter" idx="14"/>
+          </p:nvPr>
+        </p:nvSpPr>
+        <p:spPr/>
+        <p:txBody>
+          <a:bodyPr/>
+          <a:lstStyle/>
+          <a:p>
+            <a:r>
+              <a:rPr lang="de-DE"/>
+              <a:t>RUSTikales Rust for beginners</a:t>
+            </a:r>
+          </a:p>
+        </p:txBody>
+      </p:sp>
     </p:spTree>
     <p:extLst>
       <p:ext uri="{BB962C8B-B14F-4D97-AF65-F5344CB8AC3E}">
@@ -22981,6 +26437,63 @@
               <a:t>Zero Cost Abstraction!</a:t>
             </a:r>
             <a:endParaRPr dirty="0"/>
+          </a:p>
+        </p:txBody>
+      </p:sp>
+      <p:sp>
+        <p:nvSpPr>
+          <p:cNvPr id="2" name="Date Placeholder 1">
+            <a:extLst>
+              <a:ext uri="{FF2B5EF4-FFF2-40B4-BE49-F238E27FC236}">
+                <a16:creationId xmlns:a16="http://schemas.microsoft.com/office/drawing/2014/main" id="{66D885C4-ADCE-2AC9-D20A-6A06158A5237}"/>
+              </a:ext>
+            </a:extLst>
+          </p:cNvPr>
+          <p:cNvSpPr>
+            <a:spLocks noGrp="1"/>
+          </p:cNvSpPr>
+          <p:nvPr>
+            <p:ph type="dt" sz="half" idx="13"/>
+          </p:nvPr>
+        </p:nvSpPr>
+        <p:spPr/>
+        <p:txBody>
+          <a:bodyPr/>
+          <a:lstStyle/>
+          <a:p>
+            <a:fld id="{980D4500-496F-4587-B1A8-B630A543DA82}" type="datetime1">
+              <a:rPr lang="de-DE" smtClean="0"/>
+              <a:t>20.04.2024</a:t>
+            </a:fld>
+            <a:endParaRPr lang="de-DE"/>
+          </a:p>
+        </p:txBody>
+      </p:sp>
+      <p:sp>
+        <p:nvSpPr>
+          <p:cNvPr id="3" name="Footer Placeholder 2">
+            <a:extLst>
+              <a:ext uri="{FF2B5EF4-FFF2-40B4-BE49-F238E27FC236}">
+                <a16:creationId xmlns:a16="http://schemas.microsoft.com/office/drawing/2014/main" id="{1BAA0358-0130-DAB8-F770-1A186215D8A0}"/>
+              </a:ext>
+            </a:extLst>
+          </p:cNvPr>
+          <p:cNvSpPr>
+            <a:spLocks noGrp="1"/>
+          </p:cNvSpPr>
+          <p:nvPr>
+            <p:ph type="ftr" sz="quarter" idx="14"/>
+          </p:nvPr>
+        </p:nvSpPr>
+        <p:spPr/>
+        <p:txBody>
+          <a:bodyPr/>
+          <a:lstStyle/>
+          <a:p>
+            <a:r>
+              <a:rPr lang="de-DE"/>
+              <a:t>RUSTikales Rust for beginners</a:t>
+            </a:r>
           </a:p>
         </p:txBody>
       </p:sp>

--- a/rust-beginner/01 - Installation/01 - original.pptx
+++ b/rust-beginner/01 - Installation/01 - original.pptx
@@ -381,7 +381,7 @@
           <a:p>
             <a:fld id="{066FE93B-C0A8-431F-AA2F-BF32D1BA0DA9}" type="datetimeFigureOut">
               <a:rPr lang="de-DE" smtClean="0"/>
-              <a:t>21.04.2024</a:t>
+              <a:t>01.05.2024</a:t>
             </a:fld>
             <a:endParaRPr lang="de-DE"/>
           </a:p>
@@ -1387,7 +1387,7 @@
           <a:p>
             <a:fld id="{1B86CF29-98CB-41A0-9533-1F69A7269E4E}" type="datetime1">
               <a:rPr lang="de-DE" smtClean="0"/>
-              <a:t>21.04.2024</a:t>
+              <a:t>01.05.2024</a:t>
             </a:fld>
             <a:endParaRPr lang="de-DE"/>
           </a:p>
@@ -2611,7 +2611,7 @@
           <a:p>
             <a:fld id="{A47C6873-5FFD-4CA3-B601-12EDA11E7384}" type="datetime1">
               <a:rPr lang="de-DE" smtClean="0"/>
-              <a:t>21.04.2024</a:t>
+              <a:t>01.05.2024</a:t>
             </a:fld>
             <a:endParaRPr lang="de-DE"/>
           </a:p>
@@ -2768,7 +2768,7 @@
           <a:p>
             <a:fld id="{97C84E54-DB5C-4EF4-8C00-D9DC9CF4CB03}" type="datetime1">
               <a:rPr lang="de-DE" smtClean="0"/>
-              <a:t>21.04.2024</a:t>
+              <a:t>01.05.2024</a:t>
             </a:fld>
             <a:endParaRPr lang="de-DE"/>
           </a:p>
@@ -3861,7 +3861,7 @@
           <a:p>
             <a:fld id="{F110A31F-3378-4745-A8AD-87E81814308C}" type="datetime1">
               <a:rPr lang="de-DE" smtClean="0"/>
-              <a:t>21.04.2024</a:t>
+              <a:t>01.05.2024</a:t>
             </a:fld>
             <a:endParaRPr lang="de-DE"/>
           </a:p>
@@ -4383,7 +4383,7 @@
           <a:p>
             <a:fld id="{3C5A5924-177F-4E13-8F18-BF17D897E27B}" type="datetime1">
               <a:rPr lang="de-DE" smtClean="0"/>
-              <a:t>21.04.2024</a:t>
+              <a:t>01.05.2024</a:t>
             </a:fld>
             <a:endParaRPr lang="de-DE"/>
           </a:p>
@@ -5038,7 +5038,7 @@
           <a:p>
             <a:fld id="{C02F5A9B-9FF8-41D7-88D9-F781DB264A7C}" type="datetime1">
               <a:rPr lang="de-DE" smtClean="0"/>
-              <a:t>21.04.2024</a:t>
+              <a:t>01.05.2024</a:t>
             </a:fld>
             <a:endParaRPr lang="de-DE"/>
           </a:p>
@@ -5427,7 +5427,7 @@
           <a:p>
             <a:fld id="{3156570E-7EF3-4182-BA9D-2A52B45C241A}" type="datetime1">
               <a:rPr lang="de-DE" smtClean="0"/>
-              <a:t>21.04.2024</a:t>
+              <a:t>01.05.2024</a:t>
             </a:fld>
             <a:endParaRPr lang="de-DE"/>
           </a:p>
@@ -5949,7 +5949,7 @@
           <a:p>
             <a:fld id="{F7C1F0D2-5185-4D31-AB2C-73B275E057D2}" type="datetime1">
               <a:rPr lang="de-DE" smtClean="0"/>
-              <a:t>21.04.2024</a:t>
+              <a:t>01.05.2024</a:t>
             </a:fld>
             <a:endParaRPr lang="de-DE"/>
           </a:p>
@@ -7042,7 +7042,7 @@
           <a:p>
             <a:fld id="{D1D978B3-F0C5-4ABC-A255-F5F0962A8D8B}" type="datetime1">
               <a:rPr lang="de-DE" smtClean="0"/>
-              <a:t>21.04.2024</a:t>
+              <a:t>01.05.2024</a:t>
             </a:fld>
             <a:endParaRPr lang="de-DE"/>
           </a:p>
@@ -7724,7 +7724,7 @@
           <a:p>
             <a:fld id="{D8799C66-E9C7-4A80-B57A-E25F3C3939CD}" type="datetime1">
               <a:rPr lang="de-DE" smtClean="0"/>
-              <a:t>21.04.2024</a:t>
+              <a:t>01.05.2024</a:t>
             </a:fld>
             <a:endParaRPr lang="de-DE"/>
           </a:p>
@@ -8032,7 +8032,7 @@
           <a:p>
             <a:fld id="{A986101B-8F49-41C6-B566-F6D80346D6C1}" type="datetime1">
               <a:rPr lang="de-DE" smtClean="0"/>
-              <a:t>21.04.2024</a:t>
+              <a:t>01.05.2024</a:t>
             </a:fld>
             <a:endParaRPr lang="de-DE"/>
           </a:p>
@@ -8800,7 +8800,7 @@
           <a:p>
             <a:fld id="{872B7197-EDBB-45FE-B01B-7EF51F589382}" type="datetime1">
               <a:rPr lang="de-DE" smtClean="0"/>
-              <a:t>21.04.2024</a:t>
+              <a:t>01.05.2024</a:t>
             </a:fld>
             <a:endParaRPr lang="de-DE"/>
           </a:p>
@@ -9784,7 +9784,7 @@
           <a:p>
             <a:fld id="{3C5A5924-177F-4E13-8F18-BF17D897E27B}" type="datetime1">
               <a:rPr lang="de-DE" smtClean="0"/>
-              <a:t>21.04.2024</a:t>
+              <a:t>01.05.2024</a:t>
             </a:fld>
             <a:endParaRPr lang="de-DE"/>
           </a:p>
@@ -9940,7 +9940,7 @@
           <a:p>
             <a:fld id="{3C5A5924-177F-4E13-8F18-BF17D897E27B}" type="datetime1">
               <a:rPr lang="de-DE" smtClean="0"/>
-              <a:t>21.04.2024</a:t>
+              <a:t>01.05.2024</a:t>
             </a:fld>
             <a:endParaRPr lang="de-DE"/>
           </a:p>
@@ -10109,7 +10109,7 @@
           <a:p>
             <a:fld id="{3C5A5924-177F-4E13-8F18-BF17D897E27B}" type="datetime1">
               <a:rPr lang="de-DE" smtClean="0"/>
-              <a:t>21.04.2024</a:t>
+              <a:t>01.05.2024</a:t>
             </a:fld>
             <a:endParaRPr lang="de-DE"/>
           </a:p>
@@ -10356,7 +10356,7 @@
           <a:p>
             <a:fld id="{3C5A5924-177F-4E13-8F18-BF17D897E27B}" type="datetime1">
               <a:rPr lang="de-DE" smtClean="0"/>
-              <a:t>21.04.2024</a:t>
+              <a:t>01.05.2024</a:t>
             </a:fld>
             <a:endParaRPr lang="de-DE"/>
           </a:p>
@@ -10591,7 +10591,7 @@
           <a:p>
             <a:fld id="{3C5A5924-177F-4E13-8F18-BF17D897E27B}" type="datetime1">
               <a:rPr lang="de-DE" smtClean="0"/>
-              <a:t>21.04.2024</a:t>
+              <a:t>01.05.2024</a:t>
             </a:fld>
             <a:endParaRPr lang="de-DE"/>
           </a:p>
@@ -10767,7 +10767,7 @@
           <a:p>
             <a:fld id="{3C5A5924-177F-4E13-8F18-BF17D897E27B}" type="datetime1">
               <a:rPr lang="de-DE" smtClean="0"/>
-              <a:t>21.04.2024</a:t>
+              <a:t>01.05.2024</a:t>
             </a:fld>
             <a:endParaRPr lang="de-DE"/>
           </a:p>
@@ -10990,7 +10990,7 @@
           <a:p>
             <a:fld id="{3C5A5924-177F-4E13-8F18-BF17D897E27B}" type="datetime1">
               <a:rPr lang="de-DE" smtClean="0"/>
-              <a:t>21.04.2024</a:t>
+              <a:t>01.05.2024</a:t>
             </a:fld>
             <a:endParaRPr lang="de-DE"/>
           </a:p>
@@ -11242,7 +11242,7 @@
           <a:p>
             <a:fld id="{3C5A5924-177F-4E13-8F18-BF17D897E27B}" type="datetime1">
               <a:rPr lang="de-DE" smtClean="0"/>
-              <a:t>21.04.2024</a:t>
+              <a:t>01.05.2024</a:t>
             </a:fld>
             <a:endParaRPr lang="de-DE"/>
           </a:p>
@@ -11472,7 +11472,7 @@
           <a:p>
             <a:fld id="{3C5A5924-177F-4E13-8F18-BF17D897E27B}" type="datetime1">
               <a:rPr lang="de-DE" smtClean="0"/>
-              <a:t>21.04.2024</a:t>
+              <a:t>01.05.2024</a:t>
             </a:fld>
             <a:endParaRPr lang="de-DE"/>
           </a:p>
@@ -11741,7 +11741,7 @@
           <a:p>
             <a:fld id="{3C5A5924-177F-4E13-8F18-BF17D897E27B}" type="datetime1">
               <a:rPr lang="de-DE" smtClean="0"/>
-              <a:t>21.04.2024</a:t>
+              <a:t>01.05.2024</a:t>
             </a:fld>
             <a:endParaRPr lang="de-DE"/>
           </a:p>
@@ -11856,7 +11856,7 @@
           <a:p>
             <a:fld id="{5B1852AE-BE14-403F-948A-24D6C5188DC7}" type="datetime1">
               <a:rPr lang="de-DE" smtClean="0"/>
-              <a:t>21.04.2024</a:t>
+              <a:t>01.05.2024</a:t>
             </a:fld>
             <a:endParaRPr lang="de-DE"/>
           </a:p>
@@ -12084,7 +12084,7 @@
           <a:p>
             <a:fld id="{3C5A5924-177F-4E13-8F18-BF17D897E27B}" type="datetime1">
               <a:rPr lang="de-DE" smtClean="0"/>
-              <a:t>21.04.2024</a:t>
+              <a:t>01.05.2024</a:t>
             </a:fld>
             <a:endParaRPr lang="de-DE"/>
           </a:p>
@@ -12380,7 +12380,7 @@
           <a:p>
             <a:fld id="{3C5A5924-177F-4E13-8F18-BF17D897E27B}" type="datetime1">
               <a:rPr lang="de-DE" smtClean="0"/>
-              <a:t>21.04.2024</a:t>
+              <a:t>01.05.2024</a:t>
             </a:fld>
             <a:endParaRPr lang="de-DE"/>
           </a:p>
@@ -12667,7 +12667,7 @@
           <a:p>
             <a:fld id="{3C5A5924-177F-4E13-8F18-BF17D897E27B}" type="datetime1">
               <a:rPr lang="de-DE" smtClean="0"/>
-              <a:t>21.04.2024</a:t>
+              <a:t>01.05.2024</a:t>
             </a:fld>
             <a:endParaRPr lang="de-DE"/>
           </a:p>
@@ -12814,7 +12814,7 @@
           <a:p>
             <a:fld id="{3C5A5924-177F-4E13-8F18-BF17D897E27B}" type="datetime1">
               <a:rPr lang="de-DE" smtClean="0"/>
-              <a:t>21.04.2024</a:t>
+              <a:t>01.05.2024</a:t>
             </a:fld>
             <a:endParaRPr lang="de-DE"/>
           </a:p>
@@ -13181,7 +13181,7 @@
           <a:p>
             <a:fld id="{3C5A5924-177F-4E13-8F18-BF17D897E27B}" type="datetime1">
               <a:rPr lang="de-DE" smtClean="0"/>
-              <a:t>21.04.2024</a:t>
+              <a:t>01.05.2024</a:t>
             </a:fld>
             <a:endParaRPr lang="de-DE"/>
           </a:p>
@@ -13430,7 +13430,7 @@
           <a:p>
             <a:fld id="{3C5A5924-177F-4E13-8F18-BF17D897E27B}" type="datetime1">
               <a:rPr lang="de-DE" smtClean="0"/>
-              <a:t>21.04.2024</a:t>
+              <a:t>01.05.2024</a:t>
             </a:fld>
             <a:endParaRPr lang="de-DE"/>
           </a:p>
@@ -13776,7 +13776,7 @@
           <a:p>
             <a:fld id="{C02F5A9B-9FF8-41D7-88D9-F781DB264A7C}" type="datetime1">
               <a:rPr lang="de-DE" smtClean="0"/>
-              <a:t>21.04.2024</a:t>
+              <a:t>01.05.2024</a:t>
             </a:fld>
             <a:endParaRPr lang="de-DE"/>
           </a:p>
@@ -13957,7 +13957,7 @@
           <a:p>
             <a:fld id="{C02F5A9B-9FF8-41D7-88D9-F781DB264A7C}" type="datetime1">
               <a:rPr lang="de-DE" smtClean="0"/>
-              <a:t>21.04.2024</a:t>
+              <a:t>01.05.2024</a:t>
             </a:fld>
             <a:endParaRPr lang="de-DE"/>
           </a:p>
@@ -14307,7 +14307,7 @@
           <a:p>
             <a:fld id="{C02F5A9B-9FF8-41D7-88D9-F781DB264A7C}" type="datetime1">
               <a:rPr lang="de-DE" smtClean="0"/>
-              <a:t>21.04.2024</a:t>
+              <a:t>01.05.2024</a:t>
             </a:fld>
             <a:endParaRPr lang="de-DE"/>
           </a:p>
@@ -14594,7 +14594,7 @@
           <a:p>
             <a:fld id="{C02F5A9B-9FF8-41D7-88D9-F781DB264A7C}" type="datetime1">
               <a:rPr lang="de-DE" smtClean="0"/>
-              <a:t>21.04.2024</a:t>
+              <a:t>01.05.2024</a:t>
             </a:fld>
             <a:endParaRPr lang="de-DE"/>
           </a:p>
@@ -14741,7 +14741,7 @@
           <a:p>
             <a:fld id="{5B1852AE-BE14-403F-948A-24D6C5188DC7}" type="datetime1">
               <a:rPr lang="de-DE" smtClean="0"/>
-              <a:t>21.04.2024</a:t>
+              <a:t>01.05.2024</a:t>
             </a:fld>
             <a:endParaRPr lang="de-DE"/>
           </a:p>
@@ -14892,7 +14892,7 @@
           <a:p>
             <a:fld id="{C02F5A9B-9FF8-41D7-88D9-F781DB264A7C}" type="datetime1">
               <a:rPr lang="de-DE" smtClean="0"/>
-              <a:t>21.04.2024</a:t>
+              <a:t>01.05.2024</a:t>
             </a:fld>
             <a:endParaRPr lang="de-DE"/>
           </a:p>
@@ -15055,7 +15055,7 @@
           <a:p>
             <a:fld id="{C02F5A9B-9FF8-41D7-88D9-F781DB264A7C}" type="datetime1">
               <a:rPr lang="de-DE" smtClean="0"/>
-              <a:t>21.04.2024</a:t>
+              <a:t>01.05.2024</a:t>
             </a:fld>
             <a:endParaRPr lang="de-DE"/>
           </a:p>
@@ -15285,7 +15285,7 @@
           <a:p>
             <a:fld id="{C02F5A9B-9FF8-41D7-88D9-F781DB264A7C}" type="datetime1">
               <a:rPr lang="de-DE" smtClean="0"/>
-              <a:t>21.04.2024</a:t>
+              <a:t>01.05.2024</a:t>
             </a:fld>
             <a:endParaRPr lang="de-DE"/>
           </a:p>
@@ -15562,7 +15562,7 @@
           <a:p>
             <a:fld id="{C02F5A9B-9FF8-41D7-88D9-F781DB264A7C}" type="datetime1">
               <a:rPr lang="de-DE" smtClean="0"/>
-              <a:t>21.04.2024</a:t>
+              <a:t>01.05.2024</a:t>
             </a:fld>
             <a:endParaRPr lang="de-DE"/>
           </a:p>
@@ -15734,7 +15734,7 @@
           <a:p>
             <a:fld id="{C02F5A9B-9FF8-41D7-88D9-F781DB264A7C}" type="datetime1">
               <a:rPr lang="de-DE" smtClean="0"/>
-              <a:t>21.04.2024</a:t>
+              <a:t>01.05.2024</a:t>
             </a:fld>
             <a:endParaRPr lang="de-DE"/>
           </a:p>
@@ -15853,7 +15853,7 @@
           <a:p>
             <a:fld id="{C02F5A9B-9FF8-41D7-88D9-F781DB264A7C}" type="datetime1">
               <a:rPr lang="de-DE" smtClean="0"/>
-              <a:t>21.04.2024</a:t>
+              <a:t>01.05.2024</a:t>
             </a:fld>
             <a:endParaRPr lang="de-DE"/>
           </a:p>
@@ -16002,7 +16002,7 @@
           <a:p>
             <a:fld id="{C02F5A9B-9FF8-41D7-88D9-F781DB264A7C}" type="datetime1">
               <a:rPr lang="de-DE" smtClean="0"/>
-              <a:t>21.04.2024</a:t>
+              <a:t>01.05.2024</a:t>
             </a:fld>
             <a:endParaRPr lang="de-DE"/>
           </a:p>
@@ -16242,7 +16242,7 @@
           <a:p>
             <a:fld id="{C02F5A9B-9FF8-41D7-88D9-F781DB264A7C}" type="datetime1">
               <a:rPr lang="de-DE" smtClean="0"/>
-              <a:t>21.04.2024</a:t>
+              <a:t>01.05.2024</a:t>
             </a:fld>
             <a:endParaRPr lang="de-DE"/>
           </a:p>
@@ -16482,7 +16482,7 @@
           <a:p>
             <a:fld id="{C02F5A9B-9FF8-41D7-88D9-F781DB264A7C}" type="datetime1">
               <a:rPr lang="de-DE" smtClean="0"/>
-              <a:t>21.04.2024</a:t>
+              <a:t>01.05.2024</a:t>
             </a:fld>
             <a:endParaRPr lang="de-DE"/>
           </a:p>
@@ -16722,7 +16722,7 @@
           <a:p>
             <a:fld id="{C02F5A9B-9FF8-41D7-88D9-F781DB264A7C}" type="datetime1">
               <a:rPr lang="de-DE" smtClean="0"/>
-              <a:t>21.04.2024</a:t>
+              <a:t>01.05.2024</a:t>
             </a:fld>
             <a:endParaRPr lang="de-DE"/>
           </a:p>
@@ -17000,7 +17000,7 @@
           <a:p>
             <a:fld id="{5B1852AE-BE14-403F-948A-24D6C5188DC7}" type="datetime1">
               <a:rPr lang="de-DE" smtClean="0"/>
-              <a:t>21.04.2024</a:t>
+              <a:t>01.05.2024</a:t>
             </a:fld>
             <a:endParaRPr lang="de-DE"/>
           </a:p>
@@ -17119,7 +17119,7 @@
           <a:p>
             <a:fld id="{C02F5A9B-9FF8-41D7-88D9-F781DB264A7C}" type="datetime1">
               <a:rPr lang="de-DE" smtClean="0"/>
-              <a:t>21.04.2024</a:t>
+              <a:t>01.05.2024</a:t>
             </a:fld>
             <a:endParaRPr lang="de-DE"/>
           </a:p>
@@ -17369,7 +17369,7 @@
           <a:p>
             <a:fld id="{3156570E-7EF3-4182-BA9D-2A52B45C241A}" type="datetime1">
               <a:rPr lang="de-DE" smtClean="0"/>
-              <a:t>21.04.2024</a:t>
+              <a:t>01.05.2024</a:t>
             </a:fld>
             <a:endParaRPr lang="de-DE"/>
           </a:p>
@@ -17518,7 +17518,7 @@
           <a:p>
             <a:fld id="{3156570E-7EF3-4182-BA9D-2A52B45C241A}" type="datetime1">
               <a:rPr lang="de-DE" smtClean="0"/>
-              <a:t>21.04.2024</a:t>
+              <a:t>01.05.2024</a:t>
             </a:fld>
             <a:endParaRPr lang="de-DE"/>
           </a:p>
@@ -17758,7 +17758,7 @@
           <a:p>
             <a:fld id="{3156570E-7EF3-4182-BA9D-2A52B45C241A}" type="datetime1">
               <a:rPr lang="de-DE" smtClean="0"/>
-              <a:t>21.04.2024</a:t>
+              <a:t>01.05.2024</a:t>
             </a:fld>
             <a:endParaRPr lang="de-DE"/>
           </a:p>
@@ -17998,7 +17998,7 @@
           <a:p>
             <a:fld id="{3156570E-7EF3-4182-BA9D-2A52B45C241A}" type="datetime1">
               <a:rPr lang="de-DE" smtClean="0"/>
-              <a:t>21.04.2024</a:t>
+              <a:t>01.05.2024</a:t>
             </a:fld>
             <a:endParaRPr lang="de-DE"/>
           </a:p>
@@ -18270,7 +18270,7 @@
           <a:p>
             <a:fld id="{3156570E-7EF3-4182-BA9D-2A52B45C241A}" type="datetime1">
               <a:rPr lang="de-DE" smtClean="0"/>
-              <a:t>21.04.2024</a:t>
+              <a:t>01.05.2024</a:t>
             </a:fld>
             <a:endParaRPr lang="de-DE"/>
           </a:p>
@@ -18624,7 +18624,7 @@
           <a:p>
             <a:fld id="{3156570E-7EF3-4182-BA9D-2A52B45C241A}" type="datetime1">
               <a:rPr lang="de-DE" smtClean="0"/>
-              <a:t>21.04.2024</a:t>
+              <a:t>01.05.2024</a:t>
             </a:fld>
             <a:endParaRPr lang="de-DE"/>
           </a:p>
@@ -18836,7 +18836,7 @@
           <a:p>
             <a:fld id="{3156570E-7EF3-4182-BA9D-2A52B45C241A}" type="datetime1">
               <a:rPr lang="de-DE" smtClean="0"/>
-              <a:t>21.04.2024</a:t>
+              <a:t>01.05.2024</a:t>
             </a:fld>
             <a:endParaRPr lang="de-DE"/>
           </a:p>
@@ -19100,7 +19100,7 @@
             <a:r>
               <a:rPr lang="de-DE" dirty="0">
                 <a:solidFill>
-                  <a:srgbClr val="7030A0"/>
+                  <a:srgbClr val="BF00FF"/>
                 </a:solidFill>
                 <a:sym typeface="Wingdings" panose="05000000000000000000" pitchFamily="2" charset="2"/>
               </a:rPr>
@@ -19146,7 +19146,7 @@
           <a:p>
             <a:fld id="{3156570E-7EF3-4182-BA9D-2A52B45C241A}" type="datetime1">
               <a:rPr lang="de-DE" smtClean="0"/>
-              <a:t>21.04.2024</a:t>
+              <a:t>01.05.2024</a:t>
             </a:fld>
             <a:endParaRPr lang="de-DE"/>
           </a:p>
@@ -19404,7 +19404,7 @@
           <a:p>
             <a:fld id="{3156570E-7EF3-4182-BA9D-2A52B45C241A}" type="datetime1">
               <a:rPr lang="de-DE" smtClean="0"/>
-              <a:t>21.04.2024</a:t>
+              <a:t>01.05.2024</a:t>
             </a:fld>
             <a:endParaRPr lang="de-DE"/>
           </a:p>
@@ -19571,7 +19571,7 @@
           <a:p>
             <a:fld id="{5B1852AE-BE14-403F-948A-24D6C5188DC7}" type="datetime1">
               <a:rPr lang="de-DE" smtClean="0"/>
-              <a:t>21.04.2024</a:t>
+              <a:t>01.05.2024</a:t>
             </a:fld>
             <a:endParaRPr lang="de-DE"/>
           </a:p>
@@ -19866,7 +19866,7 @@
           <a:p>
             <a:fld id="{3156570E-7EF3-4182-BA9D-2A52B45C241A}" type="datetime1">
               <a:rPr lang="de-DE" smtClean="0"/>
-              <a:t>21.04.2024</a:t>
+              <a:t>01.05.2024</a:t>
             </a:fld>
             <a:endParaRPr lang="de-DE"/>
           </a:p>
@@ -20100,7 +20100,7 @@
           <a:p>
             <a:fld id="{3156570E-7EF3-4182-BA9D-2A52B45C241A}" type="datetime1">
               <a:rPr lang="de-DE" smtClean="0"/>
-              <a:t>21.04.2024</a:t>
+              <a:t>01.05.2024</a:t>
             </a:fld>
             <a:endParaRPr lang="de-DE"/>
           </a:p>
@@ -20277,7 +20277,7 @@
           <a:p>
             <a:fld id="{5B1852AE-BE14-403F-948A-24D6C5188DC7}" type="datetime1">
               <a:rPr lang="de-DE" smtClean="0"/>
-              <a:t>21.04.2024</a:t>
+              <a:t>01.05.2024</a:t>
             </a:fld>
             <a:endParaRPr lang="de-DE"/>
           </a:p>
@@ -20428,7 +20428,7 @@
           <a:p>
             <a:fld id="{3C5A5924-177F-4E13-8F18-BF17D897E27B}" type="datetime1">
               <a:rPr lang="de-DE" smtClean="0"/>
-              <a:t>21.04.2024</a:t>
+              <a:t>01.05.2024</a:t>
             </a:fld>
             <a:endParaRPr lang="de-DE"/>
           </a:p>
@@ -20589,7 +20589,7 @@
           <a:p>
             <a:fld id="{3C5A5924-177F-4E13-8F18-BF17D897E27B}" type="datetime1">
               <a:rPr lang="de-DE" smtClean="0"/>
-              <a:t>21.04.2024</a:t>
+              <a:t>01.05.2024</a:t>
             </a:fld>
             <a:endParaRPr lang="de-DE"/>
           </a:p>
@@ -20790,7 +20790,7 @@
           <a:p>
             <a:fld id="{3C5A5924-177F-4E13-8F18-BF17D897E27B}" type="datetime1">
               <a:rPr lang="de-DE" smtClean="0"/>
-              <a:t>21.04.2024</a:t>
+              <a:t>01.05.2024</a:t>
             </a:fld>
             <a:endParaRPr lang="de-DE"/>
           </a:p>
